--- a/TP1.pptx
+++ b/TP1.pptx
@@ -12,7 +12,7 @@
     <p:sldId id="260" r:id="rId7"/>
   </p:sldIdLst>
   <p:sldSz cx="9144000" cy="5143500"/>
-  <p:notesSz cx="6858000" cy="9144000"/>
+  <p:notesSz cx="7559675" cy="10691813"/>
 </p:presentation>
 </file>
 
@@ -47,7 +47,7 @@
         <p:txBody>
           <a:bodyPr/>
           <a:p>
-            <a:fld id="{16627D4E-235A-444D-A9F9-B3E61A1BFE48}" type="slidenum">
+            <a:fld id="{2B0524DE-CCFF-4C69-B539-12BD2F787A65}" type="slidenum">
               <a:t>&lt;#&gt;</a:t>
             </a:fld>
           </a:p>
@@ -88,7 +88,7 @@
         <p:spPr>
           <a:xfrm>
             <a:off x="3537000" y="1578240"/>
-            <a:ext cx="5017320" cy="1578600"/>
+            <a:ext cx="5016960" cy="1578240"/>
           </a:xfrm>
           <a:prstGeom prst="rect">
             <a:avLst/>
@@ -103,10 +103,10 @@
             <a:noAutofit/>
           </a:bodyPr>
           <a:p>
-            <a:endParaRPr b="0" lang="es-AR" sz="1400" spc="-1" strike="noStrike">
-              <a:solidFill>
-                <a:srgbClr val="000000"/>
-              </a:solidFill>
+            <a:pPr algn="ctr">
+              <a:buNone/>
+            </a:pPr>
+            <a:endParaRPr b="0" lang="es-AR" sz="4400" spc="-1" strike="noStrike">
               <a:latin typeface="Arial"/>
             </a:endParaRPr>
           </a:p>
@@ -140,10 +140,7 @@
             <a:normAutofit/>
           </a:bodyPr>
           <a:p>
-            <a:endParaRPr b="0" lang="es-AR" sz="1400" spc="-1" strike="noStrike">
-              <a:solidFill>
-                <a:srgbClr val="000000"/>
-              </a:solidFill>
+            <a:endParaRPr b="0" lang="es-AR" sz="3200" spc="-1" strike="noStrike">
               <a:latin typeface="Arial"/>
             </a:endParaRPr>
           </a:p>
@@ -177,10 +174,7 @@
             <a:normAutofit/>
           </a:bodyPr>
           <a:p>
-            <a:endParaRPr b="0" lang="es-AR" sz="1400" spc="-1" strike="noStrike">
-              <a:solidFill>
-                <a:srgbClr val="000000"/>
-              </a:solidFill>
+            <a:endParaRPr b="0" lang="es-AR" sz="3200" spc="-1" strike="noStrike">
               <a:latin typeface="Arial"/>
             </a:endParaRPr>
           </a:p>
@@ -200,7 +194,7 @@
         <p:txBody>
           <a:bodyPr/>
           <a:p>
-            <a:fld id="{525983AB-669B-4634-BD8D-8309CC2DDC4C}" type="slidenum">
+            <a:fld id="{4557B799-ABE1-4346-BD59-A4850847BA2A}" type="slidenum">
               <a:t>&lt;#&gt;</a:t>
             </a:fld>
           </a:p>
@@ -241,7 +235,7 @@
         <p:spPr>
           <a:xfrm>
             <a:off x="3537000" y="1578240"/>
-            <a:ext cx="5017320" cy="1578600"/>
+            <a:ext cx="5016960" cy="1578240"/>
           </a:xfrm>
           <a:prstGeom prst="rect">
             <a:avLst/>
@@ -256,10 +250,10 @@
             <a:noAutofit/>
           </a:bodyPr>
           <a:p>
-            <a:endParaRPr b="0" lang="es-AR" sz="1400" spc="-1" strike="noStrike">
-              <a:solidFill>
-                <a:srgbClr val="000000"/>
-              </a:solidFill>
+            <a:pPr algn="ctr">
+              <a:buNone/>
+            </a:pPr>
+            <a:endParaRPr b="0" lang="es-AR" sz="4400" spc="-1" strike="noStrike">
               <a:latin typeface="Arial"/>
             </a:endParaRPr>
           </a:p>
@@ -293,10 +287,7 @@
             <a:normAutofit/>
           </a:bodyPr>
           <a:p>
-            <a:endParaRPr b="0" lang="es-AR" sz="1400" spc="-1" strike="noStrike">
-              <a:solidFill>
-                <a:srgbClr val="000000"/>
-              </a:solidFill>
+            <a:endParaRPr b="0" lang="es-AR" sz="3200" spc="-1" strike="noStrike">
               <a:latin typeface="Arial"/>
             </a:endParaRPr>
           </a:p>
@@ -330,10 +321,7 @@
             <a:normAutofit/>
           </a:bodyPr>
           <a:p>
-            <a:endParaRPr b="0" lang="es-AR" sz="1400" spc="-1" strike="noStrike">
-              <a:solidFill>
-                <a:srgbClr val="000000"/>
-              </a:solidFill>
+            <a:endParaRPr b="0" lang="es-AR" sz="3200" spc="-1" strike="noStrike">
               <a:latin typeface="Arial"/>
             </a:endParaRPr>
           </a:p>
@@ -367,10 +355,7 @@
             <a:normAutofit/>
           </a:bodyPr>
           <a:p>
-            <a:endParaRPr b="0" lang="es-AR" sz="1400" spc="-1" strike="noStrike">
-              <a:solidFill>
-                <a:srgbClr val="000000"/>
-              </a:solidFill>
+            <a:endParaRPr b="0" lang="es-AR" sz="3200" spc="-1" strike="noStrike">
               <a:latin typeface="Arial"/>
             </a:endParaRPr>
           </a:p>
@@ -404,10 +389,7 @@
             <a:normAutofit/>
           </a:bodyPr>
           <a:p>
-            <a:endParaRPr b="0" lang="es-AR" sz="1400" spc="-1" strike="noStrike">
-              <a:solidFill>
-                <a:srgbClr val="000000"/>
-              </a:solidFill>
+            <a:endParaRPr b="0" lang="es-AR" sz="3200" spc="-1" strike="noStrike">
               <a:latin typeface="Arial"/>
             </a:endParaRPr>
           </a:p>
@@ -427,7 +409,7 @@
         <p:txBody>
           <a:bodyPr/>
           <a:p>
-            <a:fld id="{A9C71D63-D323-4E08-971F-26AB0B001B74}" type="slidenum">
+            <a:fld id="{00D812D1-1A13-4590-9BA8-E15E64D8D19B}" type="slidenum">
               <a:t>&lt;#&gt;</a:t>
             </a:fld>
           </a:p>
@@ -468,7 +450,7 @@
         <p:spPr>
           <a:xfrm>
             <a:off x="3537000" y="1578240"/>
-            <a:ext cx="5017320" cy="1578600"/>
+            <a:ext cx="5016960" cy="1578240"/>
           </a:xfrm>
           <a:prstGeom prst="rect">
             <a:avLst/>
@@ -483,10 +465,10 @@
             <a:noAutofit/>
           </a:bodyPr>
           <a:p>
-            <a:endParaRPr b="0" lang="es-AR" sz="1400" spc="-1" strike="noStrike">
-              <a:solidFill>
-                <a:srgbClr val="000000"/>
-              </a:solidFill>
+            <a:pPr algn="ctr">
+              <a:buNone/>
+            </a:pPr>
+            <a:endParaRPr b="0" lang="es-AR" sz="4400" spc="-1" strike="noStrike">
               <a:latin typeface="Arial"/>
             </a:endParaRPr>
           </a:p>
@@ -520,10 +502,7 @@
             <a:normAutofit/>
           </a:bodyPr>
           <a:p>
-            <a:endParaRPr b="0" lang="es-AR" sz="1400" spc="-1" strike="noStrike">
-              <a:solidFill>
-                <a:srgbClr val="000000"/>
-              </a:solidFill>
+            <a:endParaRPr b="0" lang="es-AR" sz="3200" spc="-1" strike="noStrike">
               <a:latin typeface="Arial"/>
             </a:endParaRPr>
           </a:p>
@@ -557,10 +536,7 @@
             <a:normAutofit/>
           </a:bodyPr>
           <a:p>
-            <a:endParaRPr b="0" lang="es-AR" sz="1400" spc="-1" strike="noStrike">
-              <a:solidFill>
-                <a:srgbClr val="000000"/>
-              </a:solidFill>
+            <a:endParaRPr b="0" lang="es-AR" sz="3200" spc="-1" strike="noStrike">
               <a:latin typeface="Arial"/>
             </a:endParaRPr>
           </a:p>
@@ -594,10 +570,7 @@
             <a:normAutofit/>
           </a:bodyPr>
           <a:p>
-            <a:endParaRPr b="0" lang="es-AR" sz="1400" spc="-1" strike="noStrike">
-              <a:solidFill>
-                <a:srgbClr val="000000"/>
-              </a:solidFill>
+            <a:endParaRPr b="0" lang="es-AR" sz="3200" spc="-1" strike="noStrike">
               <a:latin typeface="Arial"/>
             </a:endParaRPr>
           </a:p>
@@ -631,10 +604,7 @@
             <a:normAutofit/>
           </a:bodyPr>
           <a:p>
-            <a:endParaRPr b="0" lang="es-AR" sz="1400" spc="-1" strike="noStrike">
-              <a:solidFill>
-                <a:srgbClr val="000000"/>
-              </a:solidFill>
+            <a:endParaRPr b="0" lang="es-AR" sz="3200" spc="-1" strike="noStrike">
               <a:latin typeface="Arial"/>
             </a:endParaRPr>
           </a:p>
@@ -668,10 +638,7 @@
             <a:normAutofit/>
           </a:bodyPr>
           <a:p>
-            <a:endParaRPr b="0" lang="es-AR" sz="1400" spc="-1" strike="noStrike">
-              <a:solidFill>
-                <a:srgbClr val="000000"/>
-              </a:solidFill>
+            <a:endParaRPr b="0" lang="es-AR" sz="3200" spc="-1" strike="noStrike">
               <a:latin typeface="Arial"/>
             </a:endParaRPr>
           </a:p>
@@ -705,10 +672,7 @@
             <a:normAutofit/>
           </a:bodyPr>
           <a:p>
-            <a:endParaRPr b="0" lang="es-AR" sz="1400" spc="-1" strike="noStrike">
-              <a:solidFill>
-                <a:srgbClr val="000000"/>
-              </a:solidFill>
+            <a:endParaRPr b="0" lang="es-AR" sz="3200" spc="-1" strike="noStrike">
               <a:latin typeface="Arial"/>
             </a:endParaRPr>
           </a:p>
@@ -728,7 +692,7 @@
         <p:txBody>
           <a:bodyPr/>
           <a:p>
-            <a:fld id="{0AEB2BF8-FBCB-43C9-84BC-7F49AE370A85}" type="slidenum">
+            <a:fld id="{FD6B2AA3-31F7-4A34-ADCE-F59E1A32DF37}" type="slidenum">
               <a:t>&lt;#&gt;</a:t>
             </a:fld>
           </a:p>
@@ -769,7 +733,7 @@
         <p:spPr>
           <a:xfrm>
             <a:off x="3537000" y="1578240"/>
-            <a:ext cx="5017320" cy="1578600"/>
+            <a:ext cx="5016960" cy="1578240"/>
           </a:xfrm>
           <a:prstGeom prst="rect">
             <a:avLst/>
@@ -784,10 +748,10 @@
             <a:noAutofit/>
           </a:bodyPr>
           <a:p>
-            <a:endParaRPr b="0" lang="es-AR" sz="1400" spc="-1" strike="noStrike">
-              <a:solidFill>
-                <a:srgbClr val="000000"/>
-              </a:solidFill>
+            <a:pPr algn="ctr">
+              <a:buNone/>
+            </a:pPr>
+            <a:endParaRPr b="0" lang="es-AR" sz="4400" spc="-1" strike="noStrike">
               <a:latin typeface="Arial"/>
             </a:endParaRPr>
           </a:p>
@@ -844,7 +808,7 @@
         <p:txBody>
           <a:bodyPr/>
           <a:p>
-            <a:fld id="{83712FB5-947F-46E8-A931-C65E94899727}" type="slidenum">
+            <a:fld id="{56056F1D-CC92-4543-9452-30F528EA444F}" type="slidenum">
               <a:t>&lt;#&gt;</a:t>
             </a:fld>
           </a:p>
@@ -885,7 +849,7 @@
         <p:spPr>
           <a:xfrm>
             <a:off x="3537000" y="1578240"/>
-            <a:ext cx="5017320" cy="1578600"/>
+            <a:ext cx="5016960" cy="1578240"/>
           </a:xfrm>
           <a:prstGeom prst="rect">
             <a:avLst/>
@@ -900,10 +864,10 @@
             <a:noAutofit/>
           </a:bodyPr>
           <a:p>
-            <a:endParaRPr b="0" lang="es-AR" sz="1400" spc="-1" strike="noStrike">
-              <a:solidFill>
-                <a:srgbClr val="000000"/>
-              </a:solidFill>
+            <a:pPr algn="ctr">
+              <a:buNone/>
+            </a:pPr>
+            <a:endParaRPr b="0" lang="es-AR" sz="4400" spc="-1" strike="noStrike">
               <a:latin typeface="Arial"/>
             </a:endParaRPr>
           </a:p>
@@ -937,10 +901,7 @@
             <a:normAutofit/>
           </a:bodyPr>
           <a:p>
-            <a:endParaRPr b="0" lang="es-AR" sz="1400" spc="-1" strike="noStrike">
-              <a:solidFill>
-                <a:srgbClr val="000000"/>
-              </a:solidFill>
+            <a:endParaRPr b="0" lang="es-AR" sz="3200" spc="-1" strike="noStrike">
               <a:latin typeface="Arial"/>
             </a:endParaRPr>
           </a:p>
@@ -960,7 +921,7 @@
         <p:txBody>
           <a:bodyPr/>
           <a:p>
-            <a:fld id="{30315BFA-249B-4D16-AF19-188A8A8F55DD}" type="slidenum">
+            <a:fld id="{7DDEF9C3-7CDC-4F3B-94B8-3518090639D4}" type="slidenum">
               <a:t>&lt;#&gt;</a:t>
             </a:fld>
           </a:p>
@@ -1001,7 +962,7 @@
         <p:spPr>
           <a:xfrm>
             <a:off x="3537000" y="1578240"/>
-            <a:ext cx="5017320" cy="1578600"/>
+            <a:ext cx="5016960" cy="1578240"/>
           </a:xfrm>
           <a:prstGeom prst="rect">
             <a:avLst/>
@@ -1016,10 +977,10 @@
             <a:noAutofit/>
           </a:bodyPr>
           <a:p>
-            <a:endParaRPr b="0" lang="es-AR" sz="1400" spc="-1" strike="noStrike">
-              <a:solidFill>
-                <a:srgbClr val="000000"/>
-              </a:solidFill>
+            <a:pPr algn="ctr">
+              <a:buNone/>
+            </a:pPr>
+            <a:endParaRPr b="0" lang="es-AR" sz="4400" spc="-1" strike="noStrike">
               <a:latin typeface="Arial"/>
             </a:endParaRPr>
           </a:p>
@@ -1053,10 +1014,7 @@
             <a:normAutofit/>
           </a:bodyPr>
           <a:p>
-            <a:endParaRPr b="0" lang="es-AR" sz="1400" spc="-1" strike="noStrike">
-              <a:solidFill>
-                <a:srgbClr val="000000"/>
-              </a:solidFill>
+            <a:endParaRPr b="0" lang="es-AR" sz="3200" spc="-1" strike="noStrike">
               <a:latin typeface="Arial"/>
             </a:endParaRPr>
           </a:p>
@@ -1090,10 +1048,7 @@
             <a:normAutofit/>
           </a:bodyPr>
           <a:p>
-            <a:endParaRPr b="0" lang="es-AR" sz="1400" spc="-1" strike="noStrike">
-              <a:solidFill>
-                <a:srgbClr val="000000"/>
-              </a:solidFill>
+            <a:endParaRPr b="0" lang="es-AR" sz="3200" spc="-1" strike="noStrike">
               <a:latin typeface="Arial"/>
             </a:endParaRPr>
           </a:p>
@@ -1113,7 +1068,7 @@
         <p:txBody>
           <a:bodyPr/>
           <a:p>
-            <a:fld id="{0AE37654-35C5-4CE4-B9DA-926CC40EAEED}" type="slidenum">
+            <a:fld id="{7D8D1663-8705-43D7-BF80-DC29CC014019}" type="slidenum">
               <a:t>&lt;#&gt;</a:t>
             </a:fld>
           </a:p>
@@ -1154,7 +1109,7 @@
         <p:spPr>
           <a:xfrm>
             <a:off x="3537000" y="1578240"/>
-            <a:ext cx="5017320" cy="1578600"/>
+            <a:ext cx="5016960" cy="1578240"/>
           </a:xfrm>
           <a:prstGeom prst="rect">
             <a:avLst/>
@@ -1169,10 +1124,10 @@
             <a:noAutofit/>
           </a:bodyPr>
           <a:p>
-            <a:endParaRPr b="0" lang="es-AR" sz="1400" spc="-1" strike="noStrike">
-              <a:solidFill>
-                <a:srgbClr val="000000"/>
-              </a:solidFill>
+            <a:pPr algn="ctr">
+              <a:buNone/>
+            </a:pPr>
+            <a:endParaRPr b="0" lang="es-AR" sz="4400" spc="-1" strike="noStrike">
               <a:latin typeface="Arial"/>
             </a:endParaRPr>
           </a:p>
@@ -1192,7 +1147,7 @@
         <p:txBody>
           <a:bodyPr/>
           <a:p>
-            <a:fld id="{D3E043F1-A374-44A5-84D9-B66B9ECDD92E}" type="slidenum">
+            <a:fld id="{A186BE01-D8F1-4D9D-85A6-EBCB707E1B89}" type="slidenum">
               <a:t>&lt;#&gt;</a:t>
             </a:fld>
           </a:p>
@@ -1233,7 +1188,7 @@
         <p:spPr>
           <a:xfrm>
             <a:off x="3537000" y="1578240"/>
-            <a:ext cx="5017320" cy="7318800"/>
+            <a:ext cx="5016960" cy="7317000"/>
           </a:xfrm>
           <a:prstGeom prst="rect">
             <a:avLst/>
@@ -1271,7 +1226,7 @@
         <p:txBody>
           <a:bodyPr/>
           <a:p>
-            <a:fld id="{908CCEA8-A065-45BD-A48E-A063D4188C68}" type="slidenum">
+            <a:fld id="{7E9C7A19-86BC-4B58-B718-49756092F2E4}" type="slidenum">
               <a:t>&lt;#&gt;</a:t>
             </a:fld>
           </a:p>
@@ -1312,7 +1267,7 @@
         <p:spPr>
           <a:xfrm>
             <a:off x="3537000" y="1578240"/>
-            <a:ext cx="5017320" cy="1578600"/>
+            <a:ext cx="5016960" cy="1578240"/>
           </a:xfrm>
           <a:prstGeom prst="rect">
             <a:avLst/>
@@ -1327,10 +1282,10 @@
             <a:noAutofit/>
           </a:bodyPr>
           <a:p>
-            <a:endParaRPr b="0" lang="es-AR" sz="1400" spc="-1" strike="noStrike">
-              <a:solidFill>
-                <a:srgbClr val="000000"/>
-              </a:solidFill>
+            <a:pPr algn="ctr">
+              <a:buNone/>
+            </a:pPr>
+            <a:endParaRPr b="0" lang="es-AR" sz="4400" spc="-1" strike="noStrike">
               <a:latin typeface="Arial"/>
             </a:endParaRPr>
           </a:p>
@@ -1364,10 +1319,7 @@
             <a:normAutofit/>
           </a:bodyPr>
           <a:p>
-            <a:endParaRPr b="0" lang="es-AR" sz="1400" spc="-1" strike="noStrike">
-              <a:solidFill>
-                <a:srgbClr val="000000"/>
-              </a:solidFill>
+            <a:endParaRPr b="0" lang="es-AR" sz="3200" spc="-1" strike="noStrike">
               <a:latin typeface="Arial"/>
             </a:endParaRPr>
           </a:p>
@@ -1401,10 +1353,7 @@
             <a:normAutofit/>
           </a:bodyPr>
           <a:p>
-            <a:endParaRPr b="0" lang="es-AR" sz="1400" spc="-1" strike="noStrike">
-              <a:solidFill>
-                <a:srgbClr val="000000"/>
-              </a:solidFill>
+            <a:endParaRPr b="0" lang="es-AR" sz="3200" spc="-1" strike="noStrike">
               <a:latin typeface="Arial"/>
             </a:endParaRPr>
           </a:p>
@@ -1438,10 +1387,7 @@
             <a:normAutofit/>
           </a:bodyPr>
           <a:p>
-            <a:endParaRPr b="0" lang="es-AR" sz="1400" spc="-1" strike="noStrike">
-              <a:solidFill>
-                <a:srgbClr val="000000"/>
-              </a:solidFill>
+            <a:endParaRPr b="0" lang="es-AR" sz="3200" spc="-1" strike="noStrike">
               <a:latin typeface="Arial"/>
             </a:endParaRPr>
           </a:p>
@@ -1461,7 +1407,7 @@
         <p:txBody>
           <a:bodyPr/>
           <a:p>
-            <a:fld id="{C4221BDA-0DE8-41D2-A21B-EB7F20EE3495}" type="slidenum">
+            <a:fld id="{B0D641A1-8B73-45AA-8718-9AF969307962}" type="slidenum">
               <a:t>&lt;#&gt;</a:t>
             </a:fld>
           </a:p>
@@ -1502,7 +1448,7 @@
         <p:spPr>
           <a:xfrm>
             <a:off x="3537000" y="1578240"/>
-            <a:ext cx="5017320" cy="1578600"/>
+            <a:ext cx="5016960" cy="1578240"/>
           </a:xfrm>
           <a:prstGeom prst="rect">
             <a:avLst/>
@@ -1517,10 +1463,10 @@
             <a:noAutofit/>
           </a:bodyPr>
           <a:p>
-            <a:endParaRPr b="0" lang="es-AR" sz="1400" spc="-1" strike="noStrike">
-              <a:solidFill>
-                <a:srgbClr val="000000"/>
-              </a:solidFill>
+            <a:pPr algn="ctr">
+              <a:buNone/>
+            </a:pPr>
+            <a:endParaRPr b="0" lang="es-AR" sz="4400" spc="-1" strike="noStrike">
               <a:latin typeface="Arial"/>
             </a:endParaRPr>
           </a:p>
@@ -1554,10 +1500,7 @@
             <a:normAutofit/>
           </a:bodyPr>
           <a:p>
-            <a:endParaRPr b="0" lang="es-AR" sz="1400" spc="-1" strike="noStrike">
-              <a:solidFill>
-                <a:srgbClr val="000000"/>
-              </a:solidFill>
+            <a:endParaRPr b="0" lang="es-AR" sz="3200" spc="-1" strike="noStrike">
               <a:latin typeface="Arial"/>
             </a:endParaRPr>
           </a:p>
@@ -1591,10 +1534,7 @@
             <a:normAutofit/>
           </a:bodyPr>
           <a:p>
-            <a:endParaRPr b="0" lang="es-AR" sz="1400" spc="-1" strike="noStrike">
-              <a:solidFill>
-                <a:srgbClr val="000000"/>
-              </a:solidFill>
+            <a:endParaRPr b="0" lang="es-AR" sz="3200" spc="-1" strike="noStrike">
               <a:latin typeface="Arial"/>
             </a:endParaRPr>
           </a:p>
@@ -1628,10 +1568,7 @@
             <a:normAutofit/>
           </a:bodyPr>
           <a:p>
-            <a:endParaRPr b="0" lang="es-AR" sz="1400" spc="-1" strike="noStrike">
-              <a:solidFill>
-                <a:srgbClr val="000000"/>
-              </a:solidFill>
+            <a:endParaRPr b="0" lang="es-AR" sz="3200" spc="-1" strike="noStrike">
               <a:latin typeface="Arial"/>
             </a:endParaRPr>
           </a:p>
@@ -1651,7 +1588,7 @@
         <p:txBody>
           <a:bodyPr/>
           <a:p>
-            <a:fld id="{93C04734-716A-41D0-AE18-26D350176B06}" type="slidenum">
+            <a:fld id="{63F27AA1-507F-4859-8C7C-066A49F24C93}" type="slidenum">
               <a:t>&lt;#&gt;</a:t>
             </a:fld>
           </a:p>
@@ -1692,7 +1629,7 @@
         <p:spPr>
           <a:xfrm>
             <a:off x="3537000" y="1578240"/>
-            <a:ext cx="5017320" cy="1578600"/>
+            <a:ext cx="5016960" cy="1578240"/>
           </a:xfrm>
           <a:prstGeom prst="rect">
             <a:avLst/>
@@ -1707,10 +1644,10 @@
             <a:noAutofit/>
           </a:bodyPr>
           <a:p>
-            <a:endParaRPr b="0" lang="es-AR" sz="1400" spc="-1" strike="noStrike">
-              <a:solidFill>
-                <a:srgbClr val="000000"/>
-              </a:solidFill>
+            <a:pPr algn="ctr">
+              <a:buNone/>
+            </a:pPr>
+            <a:endParaRPr b="0" lang="es-AR" sz="4400" spc="-1" strike="noStrike">
               <a:latin typeface="Arial"/>
             </a:endParaRPr>
           </a:p>
@@ -1744,10 +1681,7 @@
             <a:normAutofit/>
           </a:bodyPr>
           <a:p>
-            <a:endParaRPr b="0" lang="es-AR" sz="1400" spc="-1" strike="noStrike">
-              <a:solidFill>
-                <a:srgbClr val="000000"/>
-              </a:solidFill>
+            <a:endParaRPr b="0" lang="es-AR" sz="3200" spc="-1" strike="noStrike">
               <a:latin typeface="Arial"/>
             </a:endParaRPr>
           </a:p>
@@ -1781,10 +1715,7 @@
             <a:normAutofit/>
           </a:bodyPr>
           <a:p>
-            <a:endParaRPr b="0" lang="es-AR" sz="1400" spc="-1" strike="noStrike">
-              <a:solidFill>
-                <a:srgbClr val="000000"/>
-              </a:solidFill>
+            <a:endParaRPr b="0" lang="es-AR" sz="3200" spc="-1" strike="noStrike">
               <a:latin typeface="Arial"/>
             </a:endParaRPr>
           </a:p>
@@ -1818,10 +1749,7 @@
             <a:normAutofit/>
           </a:bodyPr>
           <a:p>
-            <a:endParaRPr b="0" lang="es-AR" sz="1400" spc="-1" strike="noStrike">
-              <a:solidFill>
-                <a:srgbClr val="000000"/>
-              </a:solidFill>
+            <a:endParaRPr b="0" lang="es-AR" sz="3200" spc="-1" strike="noStrike">
               <a:latin typeface="Arial"/>
             </a:endParaRPr>
           </a:p>
@@ -1841,7 +1769,7 @@
         <p:txBody>
           <a:bodyPr/>
           <a:p>
-            <a:fld id="{AF8ED903-F876-49FB-9689-BF73297CED4C}" type="slidenum">
+            <a:fld id="{3D7C1501-0EC6-4570-A47F-1ABFAA491999}" type="slidenum">
               <a:t>&lt;#&gt;</a:t>
             </a:fld>
           </a:p>
@@ -1884,8 +1812,8 @@
         </p:nvSpPr>
         <p:spPr>
           <a:xfrm rot="5400000">
-            <a:off x="7500600" y="0"/>
-            <a:ext cx="1643400" cy="1643400"/>
+            <a:off x="7500960" y="0"/>
+            <a:ext cx="1643040" cy="1643040"/>
           </a:xfrm>
           <a:prstGeom prst="diagStripe">
             <a:avLst>
@@ -1916,10 +1844,10 @@
         </p:nvGrpSpPr>
         <p:grpSpPr>
           <a:xfrm>
-            <a:off x="5760" y="-8280"/>
-            <a:ext cx="5138280" cy="5152320"/>
-            <a:chOff x="5760" y="-8280"/>
-            <a:chExt cx="5138280" cy="5152320"/>
+            <a:off x="5760" y="-7920"/>
+            <a:ext cx="5137920" cy="5151960"/>
+            <a:chOff x="5760" y="-7920"/>
+            <a:chExt cx="5137920" cy="5151960"/>
           </a:xfrm>
         </p:grpSpPr>
         <p:sp>
@@ -1930,8 +1858,8 @@
           </p:nvSpPr>
           <p:spPr>
             <a:xfrm rot="16200000">
-              <a:off x="360" y="360"/>
-              <a:ext cx="5152320" cy="5134680"/>
+              <a:off x="360" y="720"/>
+              <a:ext cx="5151960" cy="5134320"/>
             </a:xfrm>
             <a:prstGeom prst="diagStripe">
               <a:avLst>
@@ -1962,8 +1890,8 @@
           </p:nvSpPr>
           <p:spPr>
             <a:xfrm rot="16200000">
-              <a:off x="0" y="1142280"/>
-              <a:ext cx="3996360" cy="3982320"/>
+              <a:off x="0" y="1142640"/>
+              <a:ext cx="3996000" cy="3981960"/>
             </a:xfrm>
             <a:prstGeom prst="diagStripe">
               <a:avLst>
@@ -1994,8 +1922,8 @@
           </p:nvSpPr>
           <p:spPr>
             <a:xfrm rot="16200000">
-              <a:off x="1800" y="720"/>
-              <a:ext cx="2299320" cy="2291400"/>
+              <a:off x="1800" y="1080"/>
+              <a:ext cx="2298960" cy="2291040"/>
             </a:xfrm>
             <a:prstGeom prst="diagStripe">
               <a:avLst>
@@ -2024,8 +1952,8 @@
           </p:nvSpPr>
           <p:spPr>
             <a:xfrm flipH="1">
-              <a:off x="652680" y="588240"/>
-              <a:ext cx="2299680" cy="2291040"/>
+              <a:off x="651960" y="588240"/>
+              <a:ext cx="2299320" cy="2290680"/>
             </a:xfrm>
             <a:prstGeom prst="diagStripe">
               <a:avLst>
@@ -2060,34 +1988,28 @@
         <p:spPr>
           <a:xfrm>
             <a:off x="3537000" y="1578240"/>
-            <a:ext cx="5017320" cy="1578600"/>
-          </a:xfrm>
-          <a:prstGeom prst="rect">
-            <a:avLst/>
-          </a:prstGeom>
-          <a:noFill/>
-          <a:ln w="0">
-            <a:noFill/>
-          </a:ln>
-        </p:spPr>
-        <p:txBody>
-          <a:bodyPr tIns="91440" bIns="91440" anchor="t">
-            <a:normAutofit fontScale="81000"/>
+            <a:ext cx="5016960" cy="1578240"/>
+          </a:xfrm>
+          <a:prstGeom prst="rect">
+            <a:avLst/>
+          </a:prstGeom>
+          <a:noFill/>
+          <a:ln w="0">
+            <a:noFill/>
+          </a:ln>
+        </p:spPr>
+        <p:txBody>
+          <a:bodyPr lIns="0" rIns="0" tIns="0" bIns="0" anchor="ctr">
+            <a:noAutofit/>
           </a:bodyPr>
           <a:p>
             <a:r>
-              <a:rPr b="0" lang="es-AR" sz="4000" spc="-1" strike="noStrike">
-                <a:solidFill>
-                  <a:srgbClr val="000000"/>
-                </a:solidFill>
+              <a:rPr b="0" lang="es-AR" sz="1800" spc="-1" strike="noStrike">
                 <a:latin typeface="Arial"/>
               </a:rPr>
               <a:t>Pulse para editar el formato del texto de título</a:t>
             </a:r>
-            <a:endParaRPr b="0" lang="es-AR" sz="4000" spc="-1" strike="noStrike">
-              <a:solidFill>
-                <a:srgbClr val="000000"/>
-              </a:solidFill>
+            <a:endParaRPr b="0" lang="es-AR" sz="1800" spc="-1" strike="noStrike">
               <a:latin typeface="Arial"/>
             </a:endParaRPr>
           </a:p>
@@ -2106,19 +2028,19 @@
         <p:spPr>
           <a:xfrm>
             <a:off x="8472600" y="4663080"/>
-            <a:ext cx="548280" cy="393120"/>
-          </a:xfrm>
-          <a:prstGeom prst="rect">
-            <a:avLst/>
-          </a:prstGeom>
-          <a:noFill/>
-          <a:ln w="0">
-            <a:noFill/>
-          </a:ln>
-        </p:spPr>
-        <p:txBody>
-          <a:bodyPr tIns="91440" bIns="91440" anchor="ctr">
-            <a:normAutofit/>
+            <a:ext cx="547920" cy="392760"/>
+          </a:xfrm>
+          <a:prstGeom prst="rect">
+            <a:avLst/>
+          </a:prstGeom>
+          <a:noFill/>
+          <a:ln w="0">
+            <a:noFill/>
+          </a:ln>
+        </p:spPr>
+        <p:txBody>
+          <a:bodyPr lIns="90000" rIns="90000" tIns="91440" bIns="91440" anchor="ctr">
+            <a:noAutofit/>
           </a:bodyPr>
           <a:lstStyle>
             <a:lvl1pPr algn="r">
@@ -2148,7 +2070,7 @@
                 <a:tab algn="l" pos="0"/>
               </a:tabLst>
             </a:pPr>
-            <a:fld id="{1C09F857-9FEC-4086-9119-4CB0541F4C29}" type="slidenum">
+            <a:fld id="{5E763E32-0BE2-4F41-A275-71F650D9CB55}" type="slidenum">
               <a:rPr b="0" lang="en" sz="1000" spc="-1" strike="noStrike">
                 <a:solidFill>
                   <a:srgbClr val="ffffff"/>
@@ -2189,7 +2111,7 @@
         </p:spPr>
         <p:txBody>
           <a:bodyPr lIns="0" rIns="0" tIns="0" bIns="0" anchor="t">
-            <a:normAutofit/>
+            <a:normAutofit fontScale="92000"/>
           </a:bodyPr>
           <a:p>
             <a:pPr marL="432000" indent="-324000">
@@ -2204,18 +2126,12 @@
               <a:buChar char=""/>
             </a:pPr>
             <a:r>
-              <a:rPr b="0" lang="es-AR" sz="1400" spc="-1" strike="noStrike">
-                <a:solidFill>
-                  <a:srgbClr val="000000"/>
-                </a:solidFill>
+              <a:rPr b="0" lang="es-AR" sz="3200" spc="-1" strike="noStrike">
                 <a:latin typeface="Arial"/>
               </a:rPr>
               <a:t>Pulse para editar el formato de texto del esquema</a:t>
             </a:r>
-            <a:endParaRPr b="0" lang="es-AR" sz="1400" spc="-1" strike="noStrike">
-              <a:solidFill>
-                <a:srgbClr val="000000"/>
-              </a:solidFill>
+            <a:endParaRPr b="0" lang="es-AR" sz="3200" spc="-1" strike="noStrike">
               <a:latin typeface="Arial"/>
             </a:endParaRPr>
           </a:p>
@@ -2232,18 +2148,12 @@
               <a:buChar char=""/>
             </a:pPr>
             <a:r>
-              <a:rPr b="0" lang="es-AR" sz="1400" spc="-1" strike="noStrike">
-                <a:solidFill>
-                  <a:srgbClr val="000000"/>
-                </a:solidFill>
+              <a:rPr b="0" lang="es-AR" sz="2800" spc="-1" strike="noStrike">
                 <a:latin typeface="Arial"/>
               </a:rPr>
               <a:t>Segundo nivel del esquema</a:t>
             </a:r>
-            <a:endParaRPr b="0" lang="es-AR" sz="1400" spc="-1" strike="noStrike">
-              <a:solidFill>
-                <a:srgbClr val="000000"/>
-              </a:solidFill>
+            <a:endParaRPr b="0" lang="es-AR" sz="2800" spc="-1" strike="noStrike">
               <a:latin typeface="Arial"/>
             </a:endParaRPr>
           </a:p>
@@ -2260,18 +2170,12 @@
               <a:buChar char=""/>
             </a:pPr>
             <a:r>
-              <a:rPr b="0" lang="es-AR" sz="1400" spc="-1" strike="noStrike">
-                <a:solidFill>
-                  <a:srgbClr val="000000"/>
-                </a:solidFill>
+              <a:rPr b="0" lang="es-AR" sz="2400" spc="-1" strike="noStrike">
                 <a:latin typeface="Arial"/>
               </a:rPr>
               <a:t>Tercer nivel del esquema</a:t>
             </a:r>
-            <a:endParaRPr b="0" lang="es-AR" sz="1400" spc="-1" strike="noStrike">
-              <a:solidFill>
-                <a:srgbClr val="000000"/>
-              </a:solidFill>
+            <a:endParaRPr b="0" lang="es-AR" sz="2400" spc="-1" strike="noStrike">
               <a:latin typeface="Arial"/>
             </a:endParaRPr>
           </a:p>
@@ -2288,18 +2192,12 @@
               <a:buChar char=""/>
             </a:pPr>
             <a:r>
-              <a:rPr b="0" lang="es-AR" sz="1400" spc="-1" strike="noStrike">
-                <a:solidFill>
-                  <a:srgbClr val="000000"/>
-                </a:solidFill>
+              <a:rPr b="0" lang="es-AR" sz="2000" spc="-1" strike="noStrike">
                 <a:latin typeface="Arial"/>
               </a:rPr>
               <a:t>Cuarto nivel del esquema</a:t>
             </a:r>
-            <a:endParaRPr b="0" lang="es-AR" sz="1400" spc="-1" strike="noStrike">
-              <a:solidFill>
-                <a:srgbClr val="000000"/>
-              </a:solidFill>
+            <a:endParaRPr b="0" lang="es-AR" sz="2000" spc="-1" strike="noStrike">
               <a:latin typeface="Arial"/>
             </a:endParaRPr>
           </a:p>
@@ -2317,17 +2215,11 @@
             </a:pPr>
             <a:r>
               <a:rPr b="0" lang="es-AR" sz="2000" spc="-1" strike="noStrike">
-                <a:solidFill>
-                  <a:srgbClr val="000000"/>
-                </a:solidFill>
                 <a:latin typeface="Arial"/>
               </a:rPr>
               <a:t>Quinto nivel del esquema</a:t>
             </a:r>
             <a:endParaRPr b="0" lang="es-AR" sz="2000" spc="-1" strike="noStrike">
-              <a:solidFill>
-                <a:srgbClr val="000000"/>
-              </a:solidFill>
               <a:latin typeface="Arial"/>
             </a:endParaRPr>
           </a:p>
@@ -2345,17 +2237,11 @@
             </a:pPr>
             <a:r>
               <a:rPr b="0" lang="es-AR" sz="2000" spc="-1" strike="noStrike">
-                <a:solidFill>
-                  <a:srgbClr val="000000"/>
-                </a:solidFill>
                 <a:latin typeface="Arial"/>
               </a:rPr>
               <a:t>Sexto nivel del esquema</a:t>
             </a:r>
             <a:endParaRPr b="0" lang="es-AR" sz="2000" spc="-1" strike="noStrike">
-              <a:solidFill>
-                <a:srgbClr val="000000"/>
-              </a:solidFill>
               <a:latin typeface="Arial"/>
             </a:endParaRPr>
           </a:p>
@@ -2373,17 +2259,11 @@
             </a:pPr>
             <a:r>
               <a:rPr b="0" lang="es-AR" sz="2000" spc="-1" strike="noStrike">
-                <a:solidFill>
-                  <a:srgbClr val="000000"/>
-                </a:solidFill>
                 <a:latin typeface="Arial"/>
               </a:rPr>
               <a:t>Séptimo nivel del esquema</a:t>
             </a:r>
             <a:endParaRPr b="0" lang="es-AR" sz="2000" spc="-1" strike="noStrike">
-              <a:solidFill>
-                <a:srgbClr val="000000"/>
-              </a:solidFill>
               <a:latin typeface="Arial"/>
             </a:endParaRPr>
           </a:p>
@@ -2439,18 +2319,18 @@
         <p:spPr>
           <a:xfrm>
             <a:off x="3537000" y="1578240"/>
-            <a:ext cx="5017320" cy="1578600"/>
-          </a:xfrm>
-          <a:prstGeom prst="rect">
-            <a:avLst/>
-          </a:prstGeom>
-          <a:noFill/>
-          <a:ln w="0">
-            <a:noFill/>
-          </a:ln>
-        </p:spPr>
-        <p:txBody>
-          <a:bodyPr tIns="91440" bIns="91440" anchor="t">
+            <a:ext cx="5016960" cy="1578240"/>
+          </a:xfrm>
+          <a:prstGeom prst="rect">
+            <a:avLst/>
+          </a:prstGeom>
+          <a:noFill/>
+          <a:ln w="0">
+            <a:noFill/>
+          </a:ln>
+        </p:spPr>
+        <p:txBody>
+          <a:bodyPr lIns="0" rIns="0" tIns="91440" bIns="91440" anchor="t">
             <a:normAutofit/>
           </a:bodyPr>
           <a:p>
@@ -2474,9 +2354,6 @@
               <a:t>Dolar Blue/</a:t>
             </a:r>
             <a:endParaRPr b="0" lang="es-AR" sz="4000" spc="-1" strike="noStrike">
-              <a:solidFill>
-                <a:srgbClr val="000000"/>
-              </a:solidFill>
               <a:latin typeface="Arial"/>
             </a:endParaRPr>
           </a:p>
@@ -2501,9 +2378,6 @@
               <a:t>Dolar Oficial</a:t>
             </a:r>
             <a:endParaRPr b="0" lang="es-AR" sz="4000" spc="-1" strike="noStrike">
-              <a:solidFill>
-                <a:srgbClr val="000000"/>
-              </a:solidFill>
               <a:latin typeface="Arial"/>
             </a:endParaRPr>
           </a:p>
@@ -2522,18 +2396,18 @@
         <p:spPr>
           <a:xfrm>
             <a:off x="5083920" y="3925080"/>
-            <a:ext cx="3470400" cy="505800"/>
-          </a:xfrm>
-          <a:prstGeom prst="rect">
-            <a:avLst/>
-          </a:prstGeom>
-          <a:noFill/>
-          <a:ln w="0">
-            <a:noFill/>
-          </a:ln>
-        </p:spPr>
-        <p:txBody>
-          <a:bodyPr tIns="91440" bIns="91440" anchor="t">
+            <a:ext cx="3470040" cy="505440"/>
+          </a:xfrm>
+          <a:prstGeom prst="rect">
+            <a:avLst/>
+          </a:prstGeom>
+          <a:noFill/>
+          <a:ln w="0">
+            <a:noFill/>
+          </a:ln>
+        </p:spPr>
+        <p:txBody>
+          <a:bodyPr lIns="0" rIns="0" tIns="91440" bIns="91440" anchor="t">
             <a:normAutofit/>
           </a:bodyPr>
           <a:p>
@@ -2605,18 +2479,18 @@
         <p:spPr>
           <a:xfrm>
             <a:off x="3160440" y="359280"/>
-            <a:ext cx="5393520" cy="4275720"/>
-          </a:xfrm>
-          <a:prstGeom prst="rect">
-            <a:avLst/>
-          </a:prstGeom>
-          <a:noFill/>
-          <a:ln w="0">
-            <a:noFill/>
-          </a:ln>
-        </p:spPr>
-        <p:txBody>
-          <a:bodyPr tIns="91440" bIns="91440" anchor="t">
+            <a:ext cx="5393160" cy="4275360"/>
+          </a:xfrm>
+          <a:prstGeom prst="rect">
+            <a:avLst/>
+          </a:prstGeom>
+          <a:noFill/>
+          <a:ln w="0">
+            <a:noFill/>
+          </a:ln>
+        </p:spPr>
+        <p:txBody>
+          <a:bodyPr lIns="0" rIns="0" tIns="91440" bIns="91440" anchor="t">
             <a:normAutofit fontScale="97000"/>
           </a:bodyPr>
           <a:p>
@@ -2641,9 +2515,6 @@
               <a:t>Último año</a:t>
             </a:r>
             <a:endParaRPr b="0" lang="es-AR" sz="2300" spc="-1" strike="noStrike">
-              <a:solidFill>
-                <a:srgbClr val="000000"/>
-              </a:solidFill>
               <a:latin typeface="Arial"/>
             </a:endParaRPr>
           </a:p>
@@ -2658,9 +2529,6 @@
               </a:tabLst>
             </a:pPr>
             <a:endParaRPr b="0" lang="es-AR" sz="2300" spc="-1" strike="noStrike">
-              <a:solidFill>
-                <a:srgbClr val="000000"/>
-              </a:solidFill>
               <a:latin typeface="Arial"/>
             </a:endParaRPr>
           </a:p>
@@ -2689,9 +2557,6 @@
               <a:t>Mayor brecha: 22/07/2022</a:t>
             </a:r>
             <a:endParaRPr b="0" lang="es-AR" sz="2300" spc="-1" strike="noStrike">
-              <a:solidFill>
-                <a:srgbClr val="000000"/>
-              </a:solidFill>
               <a:latin typeface="Arial"/>
             </a:endParaRPr>
           </a:p>
@@ -2706,9 +2571,6 @@
               </a:tabLst>
             </a:pPr>
             <a:endParaRPr b="0" lang="es-AR" sz="2300" spc="-1" strike="noStrike">
-              <a:solidFill>
-                <a:srgbClr val="000000"/>
-              </a:solidFill>
               <a:latin typeface="Arial"/>
             </a:endParaRPr>
           </a:p>
@@ -2737,9 +2599,6 @@
               <a:t>Mayor volatilidad: desde el 22/07/2022 al 28/07/2022</a:t>
             </a:r>
             <a:endParaRPr b="0" lang="es-AR" sz="2300" spc="-1" strike="noStrike">
-              <a:solidFill>
-                <a:srgbClr val="000000"/>
-              </a:solidFill>
               <a:latin typeface="Arial"/>
             </a:endParaRPr>
           </a:p>
@@ -2754,9 +2613,6 @@
               </a:tabLst>
             </a:pPr>
             <a:endParaRPr b="0" lang="es-AR" sz="2300" spc="-1" strike="noStrike">
-              <a:solidFill>
-                <a:srgbClr val="000000"/>
-              </a:solidFill>
               <a:latin typeface="Arial"/>
             </a:endParaRPr>
           </a:p>
@@ -2785,9 +2641,6 @@
               <a:t>Mayor variación en la brecha: 18/07/2022 al 22/07/2022</a:t>
             </a:r>
             <a:endParaRPr b="0" lang="es-AR" sz="2300" spc="-1" strike="noStrike">
-              <a:solidFill>
-                <a:srgbClr val="000000"/>
-              </a:solidFill>
               <a:latin typeface="Arial"/>
             </a:endParaRPr>
           </a:p>
@@ -2802,9 +2655,6 @@
               </a:tabLst>
             </a:pPr>
             <a:endParaRPr b="0" lang="es-AR" sz="2300" spc="-1" strike="noStrike">
-              <a:solidFill>
-                <a:srgbClr val="000000"/>
-              </a:solidFill>
               <a:latin typeface="Arial"/>
             </a:endParaRPr>
           </a:p>
@@ -2833,9 +2683,6 @@
               <a:t>Día de la semana con mayor brecha: los miércoles </a:t>
             </a:r>
             <a:endParaRPr b="0" lang="es-AR" sz="2300" spc="-1" strike="noStrike">
-              <a:solidFill>
-                <a:srgbClr val="000000"/>
-              </a:solidFill>
               <a:latin typeface="Arial"/>
             </a:endParaRPr>
           </a:p>
@@ -2884,19 +2731,19 @@
         <p:spPr>
           <a:xfrm>
             <a:off x="3160440" y="359280"/>
-            <a:ext cx="5393520" cy="4275720"/>
-          </a:xfrm>
-          <a:prstGeom prst="rect">
-            <a:avLst/>
-          </a:prstGeom>
-          <a:noFill/>
-          <a:ln w="0">
-            <a:noFill/>
-          </a:ln>
-        </p:spPr>
-        <p:txBody>
-          <a:bodyPr tIns="91440" bIns="91440" anchor="t">
-            <a:normAutofit fontScale="88000"/>
+            <a:ext cx="5393160" cy="4275360"/>
+          </a:xfrm>
+          <a:prstGeom prst="rect">
+            <a:avLst/>
+          </a:prstGeom>
+          <a:noFill/>
+          <a:ln w="0">
+            <a:noFill/>
+          </a:ln>
+        </p:spPr>
+        <p:txBody>
+          <a:bodyPr lIns="0" rIns="0" tIns="91440" bIns="91440" anchor="t">
+            <a:normAutofit fontScale="90000"/>
           </a:bodyPr>
           <a:p>
             <a:pPr algn="just">
@@ -2919,9 +2766,6 @@
               <a:t>Como se puede observar,  julio fue un mes de mucha movilidad con respecto a la brecha entre el dólar blue y el oficial.</a:t>
             </a:r>
             <a:endParaRPr b="0" lang="es-AR" sz="2300" spc="-1" strike="noStrike">
-              <a:solidFill>
-                <a:srgbClr val="000000"/>
-              </a:solidFill>
               <a:latin typeface="Arial"/>
             </a:endParaRPr>
           </a:p>
@@ -2946,9 +2790,6 @@
               <a:t>Para intentar subsanar esta situación, hubo varios cambios en el Ministerio de Economía, se verá si da sus frutos cuando avance agosto.</a:t>
             </a:r>
             <a:endParaRPr b="0" lang="es-AR" sz="2300" spc="-1" strike="noStrike">
-              <a:solidFill>
-                <a:srgbClr val="000000"/>
-              </a:solidFill>
               <a:latin typeface="Arial"/>
             </a:endParaRPr>
           </a:p>
@@ -2970,12 +2811,9 @@
                 <a:latin typeface="Montserrat"/>
                 <a:ea typeface="Montserrat"/>
               </a:rPr>
-              <a:t>Sin embargo, como se puede apreciar en el gráfico que sigue, la vida política y las cuestiones económicas siempre estuvieron ligadas a lo largo de la historia Argentina.</a:t>
+              <a:t>Sin embargo, como se puede apreciar en el gráfico que sigue, desde el 1 a 1 de los años ‘90 el dólar no ha deja de subir y está ligado, entre otros aspectos, a la vida política.</a:t>
             </a:r>
             <a:endParaRPr b="0" lang="es-AR" sz="2300" spc="-1" strike="noStrike">
-              <a:solidFill>
-                <a:srgbClr val="000000"/>
-              </a:solidFill>
               <a:latin typeface="Arial"/>
             </a:endParaRPr>
           </a:p>
@@ -3024,25 +2862,25 @@
         <p:spPr>
           <a:xfrm>
             <a:off x="508320" y="359280"/>
-            <a:ext cx="8291520" cy="4275720"/>
-          </a:xfrm>
-          <a:prstGeom prst="rect">
-            <a:avLst/>
-          </a:prstGeom>
-          <a:noFill/>
-          <a:ln w="0">
-            <a:noFill/>
-          </a:ln>
-        </p:spPr>
-        <p:txBody>
-          <a:bodyPr tIns="91440" bIns="91440" anchor="t">
+            <a:ext cx="8291160" cy="4275360"/>
+          </a:xfrm>
+          <a:prstGeom prst="rect">
+            <a:avLst/>
+          </a:prstGeom>
+          <a:noFill/>
+          <a:ln w="0">
+            <a:noFill/>
+          </a:ln>
+        </p:spPr>
+        <p:txBody>
+          <a:bodyPr lIns="0" rIns="0" tIns="91440" bIns="91440" anchor="t">
             <a:normAutofit/>
           </a:bodyPr>
           <a:p>
-            <a:endParaRPr b="0" lang="es-AR" sz="1400" spc="-1" strike="noStrike">
-              <a:solidFill>
-                <a:srgbClr val="000000"/>
-              </a:solidFill>
+            <a:pPr algn="ctr">
+              <a:buNone/>
+            </a:pPr>
+            <a:endParaRPr b="0" lang="es-AR" sz="4400" spc="-1" strike="noStrike">
               <a:latin typeface="Arial"/>
             </a:endParaRPr>
           </a:p>
@@ -3050,7 +2888,7 @@
       </p:sp>
       <p:pic>
         <p:nvPicPr>
-          <p:cNvPr id="50" name="Google Shape;151;p16" descr=""/>
+          <p:cNvPr id="50" name="" descr=""/>
           <p:cNvPicPr/>
           <p:nvPr/>
         </p:nvPicPr>
@@ -3060,8 +2898,8 @@
         </p:blipFill>
         <p:spPr>
           <a:xfrm>
-            <a:off x="297360" y="359280"/>
-            <a:ext cx="8663040" cy="4498560"/>
+            <a:off x="180000" y="990000"/>
+            <a:ext cx="8820000" cy="3213000"/>
           </a:xfrm>
           <a:prstGeom prst="rect">
             <a:avLst/>
@@ -3114,18 +2952,18 @@
         <p:spPr>
           <a:xfrm>
             <a:off x="2986920" y="123840"/>
-            <a:ext cx="5911560" cy="4895280"/>
-          </a:xfrm>
-          <a:prstGeom prst="rect">
-            <a:avLst/>
-          </a:prstGeom>
-          <a:noFill/>
-          <a:ln w="0">
-            <a:noFill/>
-          </a:ln>
-        </p:spPr>
-        <p:txBody>
-          <a:bodyPr tIns="91440" bIns="91440" anchor="t">
+            <a:ext cx="5911200" cy="4894920"/>
+          </a:xfrm>
+          <a:prstGeom prst="rect">
+            <a:avLst/>
+          </a:prstGeom>
+          <a:noFill/>
+          <a:ln w="0">
+            <a:noFill/>
+          </a:ln>
+        </p:spPr>
+        <p:txBody>
+          <a:bodyPr lIns="0" rIns="0" tIns="91440" bIns="91440" anchor="t">
             <a:noAutofit/>
           </a:bodyPr>
           <a:p>
@@ -3149,9 +2987,6 @@
               <a:t>Ante estas situaciones, no faltan los especuladores que aprovechan para hacer una diferencia a favor de su propia economía.</a:t>
             </a:r>
             <a:endParaRPr b="0" lang="es-AR" sz="2410" spc="-1" strike="noStrike">
-              <a:solidFill>
-                <a:srgbClr val="000000"/>
-              </a:solidFill>
               <a:latin typeface="Arial"/>
             </a:endParaRPr>
           </a:p>
@@ -3176,9 +3011,6 @@
               <a:t>En los últimos cuatro años el mejor momento para comprar dólar oficial y vender dólar blue fue el 06/01/2022 obteniendo una ganancia de $212 por cada dólar.</a:t>
             </a:r>
             <a:endParaRPr b="0" lang="es-AR" sz="2410" spc="-1" strike="noStrike">
-              <a:solidFill>
-                <a:srgbClr val="000000"/>
-              </a:solidFill>
               <a:latin typeface="Arial"/>
             </a:endParaRPr>
           </a:p>
@@ -3203,9 +3035,6 @@
               <a:t>El segundo fue hace poco: el 22/07/2022 obteniendo $199,6 por cada dólar.</a:t>
             </a:r>
             <a:endParaRPr b="0" lang="es-AR" sz="2410" spc="-1" strike="noStrike">
-              <a:solidFill>
-                <a:srgbClr val="000000"/>
-              </a:solidFill>
               <a:latin typeface="Arial"/>
             </a:endParaRPr>
           </a:p>

--- a/TP1.pptx
+++ b/TP1.pptx
@@ -47,7 +47,7 @@
         <p:txBody>
           <a:bodyPr/>
           <a:p>
-            <a:fld id="{2B0524DE-CCFF-4C69-B539-12BD2F787A65}" type="slidenum">
+            <a:fld id="{6FF285F4-6EB4-4F20-893F-DFD1A9130F0A}" type="slidenum">
               <a:t>&lt;#&gt;</a:t>
             </a:fld>
           </a:p>
@@ -88,7 +88,7 @@
         <p:spPr>
           <a:xfrm>
             <a:off x="3537000" y="1578240"/>
-            <a:ext cx="5016960" cy="1578240"/>
+            <a:ext cx="5016600" cy="1577880"/>
           </a:xfrm>
           <a:prstGeom prst="rect">
             <a:avLst/>
@@ -125,7 +125,7 @@
         <p:spPr>
           <a:xfrm>
             <a:off x="457200" y="1203480"/>
-            <a:ext cx="8229240" cy="1422720"/>
+            <a:ext cx="8228880" cy="1422360"/>
           </a:xfrm>
           <a:prstGeom prst="rect">
             <a:avLst/>
@@ -158,8 +158,8 @@
         </p:nvSpPr>
         <p:spPr>
           <a:xfrm>
-            <a:off x="457200" y="2761920"/>
-            <a:ext cx="8229240" cy="1422720"/>
+            <a:off x="457200" y="2761200"/>
+            <a:ext cx="8228880" cy="1422360"/>
           </a:xfrm>
           <a:prstGeom prst="rect">
             <a:avLst/>
@@ -194,7 +194,7 @@
         <p:txBody>
           <a:bodyPr/>
           <a:p>
-            <a:fld id="{4557B799-ABE1-4346-BD59-A4850847BA2A}" type="slidenum">
+            <a:fld id="{CF6843F1-4A4E-4452-B101-AFB73168B275}" type="slidenum">
               <a:t>&lt;#&gt;</a:t>
             </a:fld>
           </a:p>
@@ -235,7 +235,7 @@
         <p:spPr>
           <a:xfrm>
             <a:off x="3537000" y="1578240"/>
-            <a:ext cx="5016960" cy="1578240"/>
+            <a:ext cx="5016600" cy="1577880"/>
           </a:xfrm>
           <a:prstGeom prst="rect">
             <a:avLst/>
@@ -272,7 +272,7 @@
         <p:spPr>
           <a:xfrm>
             <a:off x="457200" y="1203480"/>
-            <a:ext cx="4015800" cy="1422720"/>
+            <a:ext cx="4015440" cy="1422360"/>
           </a:xfrm>
           <a:prstGeom prst="rect">
             <a:avLst/>
@@ -305,8 +305,8 @@
         </p:nvSpPr>
         <p:spPr>
           <a:xfrm>
-            <a:off x="4674240" y="1203480"/>
-            <a:ext cx="4015800" cy="1422720"/>
+            <a:off x="4673880" y="1203480"/>
+            <a:ext cx="4015440" cy="1422360"/>
           </a:xfrm>
           <a:prstGeom prst="rect">
             <a:avLst/>
@@ -339,8 +339,8 @@
         </p:nvSpPr>
         <p:spPr>
           <a:xfrm>
-            <a:off x="457200" y="2761920"/>
-            <a:ext cx="4015800" cy="1422720"/>
+            <a:off x="457200" y="2761200"/>
+            <a:ext cx="4015440" cy="1422360"/>
           </a:xfrm>
           <a:prstGeom prst="rect">
             <a:avLst/>
@@ -373,8 +373,8 @@
         </p:nvSpPr>
         <p:spPr>
           <a:xfrm>
-            <a:off x="4674240" y="2761920"/>
-            <a:ext cx="4015800" cy="1422720"/>
+            <a:off x="4673880" y="2761200"/>
+            <a:ext cx="4015440" cy="1422360"/>
           </a:xfrm>
           <a:prstGeom prst="rect">
             <a:avLst/>
@@ -409,7 +409,7 @@
         <p:txBody>
           <a:bodyPr/>
           <a:p>
-            <a:fld id="{00D812D1-1A13-4590-9BA8-E15E64D8D19B}" type="slidenum">
+            <a:fld id="{EBAFB6BF-1CD4-4440-9D7F-BADF0B623C2D}" type="slidenum">
               <a:t>&lt;#&gt;</a:t>
             </a:fld>
           </a:p>
@@ -450,7 +450,7 @@
         <p:spPr>
           <a:xfrm>
             <a:off x="3537000" y="1578240"/>
-            <a:ext cx="5016960" cy="1578240"/>
+            <a:ext cx="5016600" cy="1577880"/>
           </a:xfrm>
           <a:prstGeom prst="rect">
             <a:avLst/>
@@ -487,7 +487,7 @@
         <p:spPr>
           <a:xfrm>
             <a:off x="457200" y="1203480"/>
-            <a:ext cx="2649600" cy="1422720"/>
+            <a:ext cx="2649600" cy="1422360"/>
           </a:xfrm>
           <a:prstGeom prst="rect">
             <a:avLst/>
@@ -521,7 +521,7 @@
         <p:spPr>
           <a:xfrm>
             <a:off x="3239640" y="1203480"/>
-            <a:ext cx="2649600" cy="1422720"/>
+            <a:ext cx="2649600" cy="1422360"/>
           </a:xfrm>
           <a:prstGeom prst="rect">
             <a:avLst/>
@@ -555,7 +555,7 @@
         <p:spPr>
           <a:xfrm>
             <a:off x="6022080" y="1203480"/>
-            <a:ext cx="2649600" cy="1422720"/>
+            <a:ext cx="2649600" cy="1422360"/>
           </a:xfrm>
           <a:prstGeom prst="rect">
             <a:avLst/>
@@ -588,8 +588,8 @@
         </p:nvSpPr>
         <p:spPr>
           <a:xfrm>
-            <a:off x="457200" y="2761920"/>
-            <a:ext cx="2649600" cy="1422720"/>
+            <a:off x="457200" y="2761200"/>
+            <a:ext cx="2649600" cy="1422360"/>
           </a:xfrm>
           <a:prstGeom prst="rect">
             <a:avLst/>
@@ -622,8 +622,8 @@
         </p:nvSpPr>
         <p:spPr>
           <a:xfrm>
-            <a:off x="3239640" y="2761920"/>
-            <a:ext cx="2649600" cy="1422720"/>
+            <a:off x="3239640" y="2761200"/>
+            <a:ext cx="2649600" cy="1422360"/>
           </a:xfrm>
           <a:prstGeom prst="rect">
             <a:avLst/>
@@ -656,8 +656,8 @@
         </p:nvSpPr>
         <p:spPr>
           <a:xfrm>
-            <a:off x="6022080" y="2761920"/>
-            <a:ext cx="2649600" cy="1422720"/>
+            <a:off x="6022080" y="2761200"/>
+            <a:ext cx="2649600" cy="1422360"/>
           </a:xfrm>
           <a:prstGeom prst="rect">
             <a:avLst/>
@@ -692,7 +692,7 @@
         <p:txBody>
           <a:bodyPr/>
           <a:p>
-            <a:fld id="{FD6B2AA3-31F7-4A34-ADCE-F59E1A32DF37}" type="slidenum">
+            <a:fld id="{91F9836F-9EA5-47AA-8801-F087C882DC70}" type="slidenum">
               <a:t>&lt;#&gt;</a:t>
             </a:fld>
           </a:p>
@@ -733,7 +733,7 @@
         <p:spPr>
           <a:xfrm>
             <a:off x="3537000" y="1578240"/>
-            <a:ext cx="5016960" cy="1578240"/>
+            <a:ext cx="5016600" cy="1577880"/>
           </a:xfrm>
           <a:prstGeom prst="rect">
             <a:avLst/>
@@ -770,7 +770,7 @@
         <p:spPr>
           <a:xfrm>
             <a:off x="457200" y="1203480"/>
-            <a:ext cx="8229240" cy="2982960"/>
+            <a:ext cx="8228880" cy="2982600"/>
           </a:xfrm>
           <a:prstGeom prst="rect">
             <a:avLst/>
@@ -808,7 +808,7 @@
         <p:txBody>
           <a:bodyPr/>
           <a:p>
-            <a:fld id="{56056F1D-CC92-4543-9452-30F528EA444F}" type="slidenum">
+            <a:fld id="{B06D1A08-040B-435D-9C43-216C762D725A}" type="slidenum">
               <a:t>&lt;#&gt;</a:t>
             </a:fld>
           </a:p>
@@ -849,7 +849,7 @@
         <p:spPr>
           <a:xfrm>
             <a:off x="3537000" y="1578240"/>
-            <a:ext cx="5016960" cy="1578240"/>
+            <a:ext cx="5016600" cy="1577880"/>
           </a:xfrm>
           <a:prstGeom prst="rect">
             <a:avLst/>
@@ -886,7 +886,7 @@
         <p:spPr>
           <a:xfrm>
             <a:off x="457200" y="1203480"/>
-            <a:ext cx="8229240" cy="2982960"/>
+            <a:ext cx="8228880" cy="2982600"/>
           </a:xfrm>
           <a:prstGeom prst="rect">
             <a:avLst/>
@@ -921,7 +921,7 @@
         <p:txBody>
           <a:bodyPr/>
           <a:p>
-            <a:fld id="{7DDEF9C3-7CDC-4F3B-94B8-3518090639D4}" type="slidenum">
+            <a:fld id="{CA525F80-07E4-498B-BBD7-5DBA3A14E017}" type="slidenum">
               <a:t>&lt;#&gt;</a:t>
             </a:fld>
           </a:p>
@@ -962,7 +962,7 @@
         <p:spPr>
           <a:xfrm>
             <a:off x="3537000" y="1578240"/>
-            <a:ext cx="5016960" cy="1578240"/>
+            <a:ext cx="5016600" cy="1577880"/>
           </a:xfrm>
           <a:prstGeom prst="rect">
             <a:avLst/>
@@ -999,7 +999,7 @@
         <p:spPr>
           <a:xfrm>
             <a:off x="457200" y="1203480"/>
-            <a:ext cx="4015800" cy="2982960"/>
+            <a:ext cx="4015440" cy="2982600"/>
           </a:xfrm>
           <a:prstGeom prst="rect">
             <a:avLst/>
@@ -1032,8 +1032,8 @@
         </p:nvSpPr>
         <p:spPr>
           <a:xfrm>
-            <a:off x="4674240" y="1203480"/>
-            <a:ext cx="4015800" cy="2982960"/>
+            <a:off x="4673880" y="1203480"/>
+            <a:ext cx="4015440" cy="2982600"/>
           </a:xfrm>
           <a:prstGeom prst="rect">
             <a:avLst/>
@@ -1068,7 +1068,7 @@
         <p:txBody>
           <a:bodyPr/>
           <a:p>
-            <a:fld id="{7D8D1663-8705-43D7-BF80-DC29CC014019}" type="slidenum">
+            <a:fld id="{F0D855B5-ED39-4911-936B-87C86D743BFA}" type="slidenum">
               <a:t>&lt;#&gt;</a:t>
             </a:fld>
           </a:p>
@@ -1109,7 +1109,7 @@
         <p:spPr>
           <a:xfrm>
             <a:off x="3537000" y="1578240"/>
-            <a:ext cx="5016960" cy="1578240"/>
+            <a:ext cx="5016600" cy="1577880"/>
           </a:xfrm>
           <a:prstGeom prst="rect">
             <a:avLst/>
@@ -1147,7 +1147,7 @@
         <p:txBody>
           <a:bodyPr/>
           <a:p>
-            <a:fld id="{A186BE01-D8F1-4D9D-85A6-EBCB707E1B89}" type="slidenum">
+            <a:fld id="{3E927AF1-2266-4A75-A839-538CE8A56471}" type="slidenum">
               <a:t>&lt;#&gt;</a:t>
             </a:fld>
           </a:p>
@@ -1188,7 +1188,7 @@
         <p:spPr>
           <a:xfrm>
             <a:off x="3537000" y="1578240"/>
-            <a:ext cx="5016960" cy="7317000"/>
+            <a:ext cx="5016600" cy="7315560"/>
           </a:xfrm>
           <a:prstGeom prst="rect">
             <a:avLst/>
@@ -1226,7 +1226,7 @@
         <p:txBody>
           <a:bodyPr/>
           <a:p>
-            <a:fld id="{7E9C7A19-86BC-4B58-B718-49756092F2E4}" type="slidenum">
+            <a:fld id="{01BD9E1F-45FC-4E1E-8467-DB453095C4D6}" type="slidenum">
               <a:t>&lt;#&gt;</a:t>
             </a:fld>
           </a:p>
@@ -1267,7 +1267,7 @@
         <p:spPr>
           <a:xfrm>
             <a:off x="3537000" y="1578240"/>
-            <a:ext cx="5016960" cy="1578240"/>
+            <a:ext cx="5016600" cy="1577880"/>
           </a:xfrm>
           <a:prstGeom prst="rect">
             <a:avLst/>
@@ -1304,7 +1304,7 @@
         <p:spPr>
           <a:xfrm>
             <a:off x="457200" y="1203480"/>
-            <a:ext cx="4015800" cy="1422720"/>
+            <a:ext cx="4015440" cy="1422360"/>
           </a:xfrm>
           <a:prstGeom prst="rect">
             <a:avLst/>
@@ -1337,8 +1337,8 @@
         </p:nvSpPr>
         <p:spPr>
           <a:xfrm>
-            <a:off x="4674240" y="1203480"/>
-            <a:ext cx="4015800" cy="2982960"/>
+            <a:off x="4673880" y="1203480"/>
+            <a:ext cx="4015440" cy="2982600"/>
           </a:xfrm>
           <a:prstGeom prst="rect">
             <a:avLst/>
@@ -1371,8 +1371,8 @@
         </p:nvSpPr>
         <p:spPr>
           <a:xfrm>
-            <a:off x="457200" y="2761920"/>
-            <a:ext cx="4015800" cy="1422720"/>
+            <a:off x="457200" y="2761200"/>
+            <a:ext cx="4015440" cy="1422360"/>
           </a:xfrm>
           <a:prstGeom prst="rect">
             <a:avLst/>
@@ -1407,7 +1407,7 @@
         <p:txBody>
           <a:bodyPr/>
           <a:p>
-            <a:fld id="{B0D641A1-8B73-45AA-8718-9AF969307962}" type="slidenum">
+            <a:fld id="{6831A24F-8888-4D40-9570-4E2B943B4472}" type="slidenum">
               <a:t>&lt;#&gt;</a:t>
             </a:fld>
           </a:p>
@@ -1448,7 +1448,7 @@
         <p:spPr>
           <a:xfrm>
             <a:off x="3537000" y="1578240"/>
-            <a:ext cx="5016960" cy="1578240"/>
+            <a:ext cx="5016600" cy="1577880"/>
           </a:xfrm>
           <a:prstGeom prst="rect">
             <a:avLst/>
@@ -1485,7 +1485,7 @@
         <p:spPr>
           <a:xfrm>
             <a:off x="457200" y="1203480"/>
-            <a:ext cx="4015800" cy="2982960"/>
+            <a:ext cx="4015440" cy="2982600"/>
           </a:xfrm>
           <a:prstGeom prst="rect">
             <a:avLst/>
@@ -1518,8 +1518,8 @@
         </p:nvSpPr>
         <p:spPr>
           <a:xfrm>
-            <a:off x="4674240" y="1203480"/>
-            <a:ext cx="4015800" cy="1422720"/>
+            <a:off x="4673880" y="1203480"/>
+            <a:ext cx="4015440" cy="1422360"/>
           </a:xfrm>
           <a:prstGeom prst="rect">
             <a:avLst/>
@@ -1552,8 +1552,8 @@
         </p:nvSpPr>
         <p:spPr>
           <a:xfrm>
-            <a:off x="4674240" y="2761920"/>
-            <a:ext cx="4015800" cy="1422720"/>
+            <a:off x="4673880" y="2761200"/>
+            <a:ext cx="4015440" cy="1422360"/>
           </a:xfrm>
           <a:prstGeom prst="rect">
             <a:avLst/>
@@ -1588,7 +1588,7 @@
         <p:txBody>
           <a:bodyPr/>
           <a:p>
-            <a:fld id="{63F27AA1-507F-4859-8C7C-066A49F24C93}" type="slidenum">
+            <a:fld id="{63C9BD6A-52C5-4011-8018-1FBC62457D88}" type="slidenum">
               <a:t>&lt;#&gt;</a:t>
             </a:fld>
           </a:p>
@@ -1629,7 +1629,7 @@
         <p:spPr>
           <a:xfrm>
             <a:off x="3537000" y="1578240"/>
-            <a:ext cx="5016960" cy="1578240"/>
+            <a:ext cx="5016600" cy="1577880"/>
           </a:xfrm>
           <a:prstGeom prst="rect">
             <a:avLst/>
@@ -1666,7 +1666,7 @@
         <p:spPr>
           <a:xfrm>
             <a:off x="457200" y="1203480"/>
-            <a:ext cx="4015800" cy="1422720"/>
+            <a:ext cx="4015440" cy="1422360"/>
           </a:xfrm>
           <a:prstGeom prst="rect">
             <a:avLst/>
@@ -1699,8 +1699,8 @@
         </p:nvSpPr>
         <p:spPr>
           <a:xfrm>
-            <a:off x="4674240" y="1203480"/>
-            <a:ext cx="4015800" cy="1422720"/>
+            <a:off x="4673880" y="1203480"/>
+            <a:ext cx="4015440" cy="1422360"/>
           </a:xfrm>
           <a:prstGeom prst="rect">
             <a:avLst/>
@@ -1733,8 +1733,8 @@
         </p:nvSpPr>
         <p:spPr>
           <a:xfrm>
-            <a:off x="457200" y="2761920"/>
-            <a:ext cx="8229240" cy="1422720"/>
+            <a:off x="457200" y="2761200"/>
+            <a:ext cx="8228880" cy="1422360"/>
           </a:xfrm>
           <a:prstGeom prst="rect">
             <a:avLst/>
@@ -1769,7 +1769,7 @@
         <p:txBody>
           <a:bodyPr/>
           <a:p>
-            <a:fld id="{3D7C1501-0EC6-4570-A47F-1ABFAA491999}" type="slidenum">
+            <a:fld id="{6CC4A02B-7C32-4F52-A7C3-4C839105A865}" type="slidenum">
               <a:t>&lt;#&gt;</a:t>
             </a:fld>
           </a:p>
@@ -1812,8 +1812,8 @@
         </p:nvSpPr>
         <p:spPr>
           <a:xfrm rot="5400000">
-            <a:off x="7500960" y="0"/>
-            <a:ext cx="1643040" cy="1643040"/>
+            <a:off x="7501320" y="0"/>
+            <a:ext cx="1642680" cy="1642680"/>
           </a:xfrm>
           <a:prstGeom prst="diagStripe">
             <a:avLst>
@@ -1844,10 +1844,10 @@
         </p:nvGrpSpPr>
         <p:grpSpPr>
           <a:xfrm>
-            <a:off x="5760" y="-7920"/>
-            <a:ext cx="5137920" cy="5151960"/>
-            <a:chOff x="5760" y="-7920"/>
-            <a:chExt cx="5137920" cy="5151960"/>
+            <a:off x="5760" y="-7560"/>
+            <a:ext cx="5137560" cy="5151600"/>
+            <a:chOff x="5760" y="-7560"/>
+            <a:chExt cx="5137560" cy="5151600"/>
           </a:xfrm>
         </p:grpSpPr>
         <p:sp>
@@ -1858,8 +1858,8 @@
           </p:nvSpPr>
           <p:spPr>
             <a:xfrm rot="16200000">
-              <a:off x="360" y="720"/>
-              <a:ext cx="5151960" cy="5134320"/>
+              <a:off x="360" y="1080"/>
+              <a:ext cx="5151600" cy="5133960"/>
             </a:xfrm>
             <a:prstGeom prst="diagStripe">
               <a:avLst>
@@ -1890,8 +1890,8 @@
           </p:nvSpPr>
           <p:spPr>
             <a:xfrm rot="16200000">
-              <a:off x="0" y="1142640"/>
-              <a:ext cx="3996000" cy="3981960"/>
+              <a:off x="0" y="1143000"/>
+              <a:ext cx="3995640" cy="3981600"/>
             </a:xfrm>
             <a:prstGeom prst="diagStripe">
               <a:avLst>
@@ -1922,8 +1922,8 @@
           </p:nvSpPr>
           <p:spPr>
             <a:xfrm rot="16200000">
-              <a:off x="1800" y="1080"/>
-              <a:ext cx="2298960" cy="2291040"/>
+              <a:off x="1800" y="1440"/>
+              <a:ext cx="2298600" cy="2290680"/>
             </a:xfrm>
             <a:prstGeom prst="diagStripe">
               <a:avLst>
@@ -1953,7 +1953,7 @@
           <p:spPr>
             <a:xfrm flipH="1">
               <a:off x="651960" y="588240"/>
-              <a:ext cx="2299320" cy="2290680"/>
+              <a:ext cx="2298960" cy="2290320"/>
             </a:xfrm>
             <a:prstGeom prst="diagStripe">
               <a:avLst>
@@ -1988,7 +1988,7 @@
         <p:spPr>
           <a:xfrm>
             <a:off x="3537000" y="1578240"/>
-            <a:ext cx="5016960" cy="1578240"/>
+            <a:ext cx="5016600" cy="1577880"/>
           </a:xfrm>
           <a:prstGeom prst="rect">
             <a:avLst/>
@@ -2022,13 +2022,196 @@
             <a:spLocks noGrp="1"/>
           </p:cNvSpPr>
           <p:nvPr>
+            <p:ph type="body"/>
+          </p:nvPr>
+        </p:nvSpPr>
+        <p:spPr>
+          <a:xfrm>
+            <a:off x="457200" y="1203480"/>
+            <a:ext cx="8228880" cy="2982600"/>
+          </a:xfrm>
+          <a:prstGeom prst="rect">
+            <a:avLst/>
+          </a:prstGeom>
+          <a:noFill/>
+          <a:ln w="0">
+            <a:noFill/>
+          </a:ln>
+        </p:spPr>
+        <p:txBody>
+          <a:bodyPr lIns="0" rIns="0" tIns="0" bIns="0" anchor="t">
+            <a:normAutofit/>
+          </a:bodyPr>
+          <a:p>
+            <a:pPr marL="432000" indent="-324000">
+              <a:spcBef>
+                <a:spcPts val="1417"/>
+              </a:spcBef>
+              <a:buClr>
+                <a:srgbClr val="ffffff"/>
+              </a:buClr>
+              <a:buSzPct val="45000"/>
+              <a:buFont typeface="Wingdings" charset="2"/>
+              <a:buChar char=""/>
+            </a:pPr>
+            <a:r>
+              <a:rPr b="0" lang="es-AR" sz="1800" spc="-1" strike="noStrike">
+                <a:latin typeface="Arial"/>
+              </a:rPr>
+              <a:t>Pulse para editar el formato de texto del esquema</a:t>
+            </a:r>
+            <a:endParaRPr b="0" lang="es-AR" sz="1800" spc="-1" strike="noStrike">
+              <a:latin typeface="Arial"/>
+            </a:endParaRPr>
+          </a:p>
+          <a:p>
+            <a:pPr lvl="1" marL="864000" indent="-324000">
+              <a:spcBef>
+                <a:spcPts val="1134"/>
+              </a:spcBef>
+              <a:buClr>
+                <a:srgbClr val="ffffff"/>
+              </a:buClr>
+              <a:buSzPct val="75000"/>
+              <a:buFont typeface="Symbol" charset="2"/>
+              <a:buChar char=""/>
+            </a:pPr>
+            <a:r>
+              <a:rPr b="0" lang="es-AR" sz="1800" spc="-1" strike="noStrike">
+                <a:latin typeface="Arial"/>
+              </a:rPr>
+              <a:t>Segundo nivel del esquema</a:t>
+            </a:r>
+            <a:endParaRPr b="0" lang="es-AR" sz="1800" spc="-1" strike="noStrike">
+              <a:latin typeface="Arial"/>
+            </a:endParaRPr>
+          </a:p>
+          <a:p>
+            <a:pPr lvl="2" marL="1296000" indent="-288000">
+              <a:spcBef>
+                <a:spcPts val="850"/>
+              </a:spcBef>
+              <a:buClr>
+                <a:srgbClr val="ffffff"/>
+              </a:buClr>
+              <a:buSzPct val="45000"/>
+              <a:buFont typeface="Wingdings" charset="2"/>
+              <a:buChar char=""/>
+            </a:pPr>
+            <a:r>
+              <a:rPr b="0" lang="es-AR" sz="1800" spc="-1" strike="noStrike">
+                <a:latin typeface="Arial"/>
+              </a:rPr>
+              <a:t>Tercer nivel del esquema</a:t>
+            </a:r>
+            <a:endParaRPr b="0" lang="es-AR" sz="1800" spc="-1" strike="noStrike">
+              <a:latin typeface="Arial"/>
+            </a:endParaRPr>
+          </a:p>
+          <a:p>
+            <a:pPr lvl="3" marL="1728000" indent="-216000">
+              <a:spcBef>
+                <a:spcPts val="567"/>
+              </a:spcBef>
+              <a:buClr>
+                <a:srgbClr val="ffffff"/>
+              </a:buClr>
+              <a:buSzPct val="75000"/>
+              <a:buFont typeface="Symbol" charset="2"/>
+              <a:buChar char=""/>
+            </a:pPr>
+            <a:r>
+              <a:rPr b="0" lang="es-AR" sz="1800" spc="-1" strike="noStrike">
+                <a:latin typeface="Arial"/>
+              </a:rPr>
+              <a:t>Cuarto nivel del esquema</a:t>
+            </a:r>
+            <a:endParaRPr b="0" lang="es-AR" sz="1800" spc="-1" strike="noStrike">
+              <a:latin typeface="Arial"/>
+            </a:endParaRPr>
+          </a:p>
+          <a:p>
+            <a:pPr lvl="4" marL="2160000" indent="-216000">
+              <a:spcBef>
+                <a:spcPts val="283"/>
+              </a:spcBef>
+              <a:buClr>
+                <a:srgbClr val="ffffff"/>
+              </a:buClr>
+              <a:buSzPct val="45000"/>
+              <a:buFont typeface="Wingdings" charset="2"/>
+              <a:buChar char=""/>
+            </a:pPr>
+            <a:r>
+              <a:rPr b="0" lang="es-AR" sz="1800" spc="-1" strike="noStrike">
+                <a:latin typeface="Arial"/>
+              </a:rPr>
+              <a:t>Quinto nivel del esquema</a:t>
+            </a:r>
+            <a:endParaRPr b="0" lang="es-AR" sz="1800" spc="-1" strike="noStrike">
+              <a:latin typeface="Arial"/>
+            </a:endParaRPr>
+          </a:p>
+          <a:p>
+            <a:pPr lvl="5" marL="2592000" indent="-216000">
+              <a:spcBef>
+                <a:spcPts val="283"/>
+              </a:spcBef>
+              <a:buClr>
+                <a:srgbClr val="ffffff"/>
+              </a:buClr>
+              <a:buSzPct val="45000"/>
+              <a:buFont typeface="Wingdings" charset="2"/>
+              <a:buChar char=""/>
+            </a:pPr>
+            <a:r>
+              <a:rPr b="0" lang="es-AR" sz="1800" spc="-1" strike="noStrike">
+                <a:latin typeface="Arial"/>
+              </a:rPr>
+              <a:t>Sexto nivel del esquema</a:t>
+            </a:r>
+            <a:endParaRPr b="0" lang="es-AR" sz="1800" spc="-1" strike="noStrike">
+              <a:latin typeface="Arial"/>
+            </a:endParaRPr>
+          </a:p>
+          <a:p>
+            <a:pPr lvl="6" marL="3024000" indent="-216000">
+              <a:spcBef>
+                <a:spcPts val="283"/>
+              </a:spcBef>
+              <a:buClr>
+                <a:srgbClr val="ffffff"/>
+              </a:buClr>
+              <a:buSzPct val="45000"/>
+              <a:buFont typeface="Wingdings" charset="2"/>
+              <a:buChar char=""/>
+            </a:pPr>
+            <a:r>
+              <a:rPr b="0" lang="es-AR" sz="1800" spc="-1" strike="noStrike">
+                <a:latin typeface="Arial"/>
+              </a:rPr>
+              <a:t>Séptimo nivel del esquema</a:t>
+            </a:r>
+            <a:endParaRPr b="0" lang="es-AR" sz="1800" spc="-1" strike="noStrike">
+              <a:latin typeface="Arial"/>
+            </a:endParaRPr>
+          </a:p>
+        </p:txBody>
+      </p:sp>
+      <p:sp>
+        <p:nvSpPr>
+          <p:cNvPr id="8" name="PlaceHolder 3"/>
+          <p:cNvSpPr>
+            <a:spLocks noGrp="1"/>
+          </p:cNvSpPr>
+          <p:nvPr>
             <p:ph type="sldNum" idx="1"/>
           </p:nvPr>
         </p:nvSpPr>
         <p:spPr>
           <a:xfrm>
             <a:off x="8472600" y="4663080"/>
-            <a:ext cx="547920" cy="392760"/>
+            <a:ext cx="547560" cy="392400"/>
           </a:xfrm>
           <a:prstGeom prst="rect">
             <a:avLst/>
@@ -2070,7 +2253,7 @@
                 <a:tab algn="l" pos="0"/>
               </a:tabLst>
             </a:pPr>
-            <a:fld id="{5E763E32-0BE2-4F41-A275-71F650D9CB55}" type="slidenum">
+            <a:fld id="{0D1C02D7-F8F0-4150-92FA-3BFE742A46E9}" type="slidenum">
               <a:rPr b="0" lang="en" sz="1000" spc="-1" strike="noStrike">
                 <a:solidFill>
                   <a:srgbClr val="ffffff"/>
@@ -2082,189 +2265,6 @@
             </a:fld>
             <a:endParaRPr b="0" lang="es-AR" sz="1000" spc="-1" strike="noStrike">
               <a:latin typeface="Times New Roman"/>
-            </a:endParaRPr>
-          </a:p>
-        </p:txBody>
-      </p:sp>
-      <p:sp>
-        <p:nvSpPr>
-          <p:cNvPr id="8" name="PlaceHolder 3"/>
-          <p:cNvSpPr>
-            <a:spLocks noGrp="1"/>
-          </p:cNvSpPr>
-          <p:nvPr>
-            <p:ph type="body"/>
-          </p:nvPr>
-        </p:nvSpPr>
-        <p:spPr>
-          <a:xfrm>
-            <a:off x="457200" y="1203480"/>
-            <a:ext cx="8229240" cy="2982960"/>
-          </a:xfrm>
-          <a:prstGeom prst="rect">
-            <a:avLst/>
-          </a:prstGeom>
-          <a:noFill/>
-          <a:ln w="0">
-            <a:noFill/>
-          </a:ln>
-        </p:spPr>
-        <p:txBody>
-          <a:bodyPr lIns="0" rIns="0" tIns="0" bIns="0" anchor="t">
-            <a:normAutofit fontScale="92000"/>
-          </a:bodyPr>
-          <a:p>
-            <a:pPr marL="432000" indent="-324000">
-              <a:spcBef>
-                <a:spcPts val="1417"/>
-              </a:spcBef>
-              <a:buClr>
-                <a:srgbClr val="ffffff"/>
-              </a:buClr>
-              <a:buSzPct val="45000"/>
-              <a:buFont typeface="Wingdings" charset="2"/>
-              <a:buChar char=""/>
-            </a:pPr>
-            <a:r>
-              <a:rPr b="0" lang="es-AR" sz="3200" spc="-1" strike="noStrike">
-                <a:latin typeface="Arial"/>
-              </a:rPr>
-              <a:t>Pulse para editar el formato de texto del esquema</a:t>
-            </a:r>
-            <a:endParaRPr b="0" lang="es-AR" sz="3200" spc="-1" strike="noStrike">
-              <a:latin typeface="Arial"/>
-            </a:endParaRPr>
-          </a:p>
-          <a:p>
-            <a:pPr lvl="1" marL="864000" indent="-324000">
-              <a:spcBef>
-                <a:spcPts val="1134"/>
-              </a:spcBef>
-              <a:buClr>
-                <a:srgbClr val="ffffff"/>
-              </a:buClr>
-              <a:buSzPct val="75000"/>
-              <a:buFont typeface="Symbol" charset="2"/>
-              <a:buChar char=""/>
-            </a:pPr>
-            <a:r>
-              <a:rPr b="0" lang="es-AR" sz="2800" spc="-1" strike="noStrike">
-                <a:latin typeface="Arial"/>
-              </a:rPr>
-              <a:t>Segundo nivel del esquema</a:t>
-            </a:r>
-            <a:endParaRPr b="0" lang="es-AR" sz="2800" spc="-1" strike="noStrike">
-              <a:latin typeface="Arial"/>
-            </a:endParaRPr>
-          </a:p>
-          <a:p>
-            <a:pPr lvl="2" marL="1296000" indent="-288000">
-              <a:spcBef>
-                <a:spcPts val="850"/>
-              </a:spcBef>
-              <a:buClr>
-                <a:srgbClr val="ffffff"/>
-              </a:buClr>
-              <a:buSzPct val="45000"/>
-              <a:buFont typeface="Wingdings" charset="2"/>
-              <a:buChar char=""/>
-            </a:pPr>
-            <a:r>
-              <a:rPr b="0" lang="es-AR" sz="2400" spc="-1" strike="noStrike">
-                <a:latin typeface="Arial"/>
-              </a:rPr>
-              <a:t>Tercer nivel del esquema</a:t>
-            </a:r>
-            <a:endParaRPr b="0" lang="es-AR" sz="2400" spc="-1" strike="noStrike">
-              <a:latin typeface="Arial"/>
-            </a:endParaRPr>
-          </a:p>
-          <a:p>
-            <a:pPr lvl="3" marL="1728000" indent="-216000">
-              <a:spcBef>
-                <a:spcPts val="567"/>
-              </a:spcBef>
-              <a:buClr>
-                <a:srgbClr val="ffffff"/>
-              </a:buClr>
-              <a:buSzPct val="75000"/>
-              <a:buFont typeface="Symbol" charset="2"/>
-              <a:buChar char=""/>
-            </a:pPr>
-            <a:r>
-              <a:rPr b="0" lang="es-AR" sz="2000" spc="-1" strike="noStrike">
-                <a:latin typeface="Arial"/>
-              </a:rPr>
-              <a:t>Cuarto nivel del esquema</a:t>
-            </a:r>
-            <a:endParaRPr b="0" lang="es-AR" sz="2000" spc="-1" strike="noStrike">
-              <a:latin typeface="Arial"/>
-            </a:endParaRPr>
-          </a:p>
-          <a:p>
-            <a:pPr lvl="4" marL="2160000" indent="-216000">
-              <a:spcBef>
-                <a:spcPts val="283"/>
-              </a:spcBef>
-              <a:buClr>
-                <a:srgbClr val="ffffff"/>
-              </a:buClr>
-              <a:buSzPct val="45000"/>
-              <a:buFont typeface="Wingdings" charset="2"/>
-              <a:buChar char=""/>
-            </a:pPr>
-            <a:r>
-              <a:rPr b="0" lang="es-AR" sz="2000" spc="-1" strike="noStrike">
-                <a:latin typeface="Arial"/>
-              </a:rPr>
-              <a:t>Quinto nivel del esquema</a:t>
-            </a:r>
-            <a:endParaRPr b="0" lang="es-AR" sz="2000" spc="-1" strike="noStrike">
-              <a:latin typeface="Arial"/>
-            </a:endParaRPr>
-          </a:p>
-          <a:p>
-            <a:pPr lvl="5" marL="2592000" indent="-216000">
-              <a:spcBef>
-                <a:spcPts val="283"/>
-              </a:spcBef>
-              <a:buClr>
-                <a:srgbClr val="ffffff"/>
-              </a:buClr>
-              <a:buSzPct val="45000"/>
-              <a:buFont typeface="Wingdings" charset="2"/>
-              <a:buChar char=""/>
-            </a:pPr>
-            <a:r>
-              <a:rPr b="0" lang="es-AR" sz="2000" spc="-1" strike="noStrike">
-                <a:latin typeface="Arial"/>
-              </a:rPr>
-              <a:t>Sexto nivel del esquema</a:t>
-            </a:r>
-            <a:endParaRPr b="0" lang="es-AR" sz="2000" spc="-1" strike="noStrike">
-              <a:latin typeface="Arial"/>
-            </a:endParaRPr>
-          </a:p>
-          <a:p>
-            <a:pPr lvl="6" marL="3024000" indent="-216000">
-              <a:spcBef>
-                <a:spcPts val="283"/>
-              </a:spcBef>
-              <a:buClr>
-                <a:srgbClr val="ffffff"/>
-              </a:buClr>
-              <a:buSzPct val="45000"/>
-              <a:buFont typeface="Wingdings" charset="2"/>
-              <a:buChar char=""/>
-            </a:pPr>
-            <a:r>
-              <a:rPr b="0" lang="es-AR" sz="2000" spc="-1" strike="noStrike">
-                <a:latin typeface="Arial"/>
-              </a:rPr>
-              <a:t>Séptimo nivel del esquema</a:t>
-            </a:r>
-            <a:endParaRPr b="0" lang="es-AR" sz="2000" spc="-1" strike="noStrike">
-              <a:latin typeface="Arial"/>
             </a:endParaRPr>
           </a:p>
         </p:txBody>
@@ -2319,7 +2319,7 @@
         <p:spPr>
           <a:xfrm>
             <a:off x="3537000" y="1578240"/>
-            <a:ext cx="5016960" cy="1578240"/>
+            <a:ext cx="5016600" cy="1577880"/>
           </a:xfrm>
           <a:prstGeom prst="rect">
             <a:avLst/>
@@ -2396,7 +2396,7 @@
         <p:spPr>
           <a:xfrm>
             <a:off x="5083920" y="3925080"/>
-            <a:ext cx="3470040" cy="505440"/>
+            <a:ext cx="3469680" cy="505080"/>
           </a:xfrm>
           <a:prstGeom prst="rect">
             <a:avLst/>
@@ -2479,7 +2479,7 @@
         <p:spPr>
           <a:xfrm>
             <a:off x="3160440" y="359280"/>
-            <a:ext cx="5393160" cy="4275360"/>
+            <a:ext cx="5392800" cy="4275000"/>
           </a:xfrm>
           <a:prstGeom prst="rect">
             <a:avLst/>
@@ -2491,7 +2491,7 @@
         </p:spPr>
         <p:txBody>
           <a:bodyPr lIns="0" rIns="0" tIns="91440" bIns="91440" anchor="t">
-            <a:normAutofit fontScale="97000"/>
+            <a:normAutofit/>
           </a:bodyPr>
           <a:p>
             <a:pPr>
@@ -2596,7 +2596,7 @@
                 <a:latin typeface="Montserrat"/>
                 <a:ea typeface="Montserrat"/>
               </a:rPr>
-              <a:t>Mayor volatilidad: desde el 22/07/2022 al 28/07/2022</a:t>
+              <a:t>Mayor volatilidad: 07/01/2022</a:t>
             </a:r>
             <a:endParaRPr b="0" lang="es-AR" sz="2300" spc="-1" strike="noStrike">
               <a:latin typeface="Arial"/>
@@ -2731,7 +2731,7 @@
         <p:spPr>
           <a:xfrm>
             <a:off x="3160440" y="359280"/>
-            <a:ext cx="5393160" cy="4275360"/>
+            <a:ext cx="5392800" cy="4275000"/>
           </a:xfrm>
           <a:prstGeom prst="rect">
             <a:avLst/>
@@ -2862,7 +2862,7 @@
         <p:spPr>
           <a:xfrm>
             <a:off x="508320" y="359280"/>
-            <a:ext cx="8291160" cy="4275360"/>
+            <a:ext cx="8290800" cy="4275000"/>
           </a:xfrm>
           <a:prstGeom prst="rect">
             <a:avLst/>
@@ -2899,7 +2899,7 @@
         <p:spPr>
           <a:xfrm>
             <a:off x="180000" y="990000"/>
-            <a:ext cx="8820000" cy="3213000"/>
+            <a:ext cx="8819640" cy="3212640"/>
           </a:xfrm>
           <a:prstGeom prst="rect">
             <a:avLst/>
@@ -2952,7 +2952,7 @@
         <p:spPr>
           <a:xfrm>
             <a:off x="2986920" y="123840"/>
-            <a:ext cx="5911200" cy="4894920"/>
+            <a:ext cx="5910840" cy="4894560"/>
           </a:xfrm>
           <a:prstGeom prst="rect">
             <a:avLst/>
@@ -3008,7 +3008,7 @@
                 <a:latin typeface="Montserrat"/>
                 <a:ea typeface="Montserrat"/>
               </a:rPr>
-              <a:t>En los últimos cuatro años el mejor momento para comprar dólar oficial y vender dólar blue fue el 06/01/2022 obteniendo una ganancia de $212 por cada dólar.</a:t>
+              <a:t>Coincidiendo con la volatilidad, en los últimos cuatro años el mejor momento para comprar dólar oficial y vender dólar blue fue a principio del año: el 06/01/2022 obteniendo una ganancia de $212 por cada dólar.</a:t>
             </a:r>
             <a:endParaRPr b="0" lang="es-AR" sz="2410" spc="-1" strike="noStrike">
               <a:latin typeface="Arial"/>

--- a/TP1.pptx
+++ b/TP1.pptx
@@ -47,7 +47,7 @@
         <p:txBody>
           <a:bodyPr/>
           <a:p>
-            <a:fld id="{6FF285F4-6EB4-4F20-893F-DFD1A9130F0A}" type="slidenum">
+            <a:fld id="{53BAD4EE-CD61-4D74-923C-C71F127673B4}" type="slidenum">
               <a:t>&lt;#&gt;</a:t>
             </a:fld>
           </a:p>
@@ -87,8 +87,8 @@
         </p:nvSpPr>
         <p:spPr>
           <a:xfrm>
-            <a:off x="3537000" y="1578240"/>
-            <a:ext cx="5016600" cy="1577880"/>
+            <a:off x="457200" y="205200"/>
+            <a:ext cx="8229240" cy="858600"/>
           </a:xfrm>
           <a:prstGeom prst="rect">
             <a:avLst/>
@@ -125,7 +125,7 @@
         <p:spPr>
           <a:xfrm>
             <a:off x="457200" y="1203480"/>
-            <a:ext cx="8228880" cy="1422360"/>
+            <a:ext cx="8229240" cy="1422720"/>
           </a:xfrm>
           <a:prstGeom prst="rect">
             <a:avLst/>
@@ -158,8 +158,8 @@
         </p:nvSpPr>
         <p:spPr>
           <a:xfrm>
-            <a:off x="457200" y="2761200"/>
-            <a:ext cx="8228880" cy="1422360"/>
+            <a:off x="457200" y="2761920"/>
+            <a:ext cx="8229240" cy="1422720"/>
           </a:xfrm>
           <a:prstGeom prst="rect">
             <a:avLst/>
@@ -194,7 +194,7 @@
         <p:txBody>
           <a:bodyPr/>
           <a:p>
-            <a:fld id="{CF6843F1-4A4E-4452-B101-AFB73168B275}" type="slidenum">
+            <a:fld id="{5D76ECFE-3B83-4DEB-B870-4F940C4946C3}" type="slidenum">
               <a:t>&lt;#&gt;</a:t>
             </a:fld>
           </a:p>
@@ -234,8 +234,8 @@
         </p:nvSpPr>
         <p:spPr>
           <a:xfrm>
-            <a:off x="3537000" y="1578240"/>
-            <a:ext cx="5016600" cy="1577880"/>
+            <a:off x="457200" y="205200"/>
+            <a:ext cx="8229240" cy="858600"/>
           </a:xfrm>
           <a:prstGeom prst="rect">
             <a:avLst/>
@@ -272,7 +272,7 @@
         <p:spPr>
           <a:xfrm>
             <a:off x="457200" y="1203480"/>
-            <a:ext cx="4015440" cy="1422360"/>
+            <a:ext cx="4015800" cy="1422720"/>
           </a:xfrm>
           <a:prstGeom prst="rect">
             <a:avLst/>
@@ -305,8 +305,8 @@
         </p:nvSpPr>
         <p:spPr>
           <a:xfrm>
-            <a:off x="4673880" y="1203480"/>
-            <a:ext cx="4015440" cy="1422360"/>
+            <a:off x="4674240" y="1203480"/>
+            <a:ext cx="4015800" cy="1422720"/>
           </a:xfrm>
           <a:prstGeom prst="rect">
             <a:avLst/>
@@ -339,8 +339,8 @@
         </p:nvSpPr>
         <p:spPr>
           <a:xfrm>
-            <a:off x="457200" y="2761200"/>
-            <a:ext cx="4015440" cy="1422360"/>
+            <a:off x="457200" y="2761920"/>
+            <a:ext cx="4015800" cy="1422720"/>
           </a:xfrm>
           <a:prstGeom prst="rect">
             <a:avLst/>
@@ -373,8 +373,8 @@
         </p:nvSpPr>
         <p:spPr>
           <a:xfrm>
-            <a:off x="4673880" y="2761200"/>
-            <a:ext cx="4015440" cy="1422360"/>
+            <a:off x="4674240" y="2761920"/>
+            <a:ext cx="4015800" cy="1422720"/>
           </a:xfrm>
           <a:prstGeom prst="rect">
             <a:avLst/>
@@ -409,7 +409,7 @@
         <p:txBody>
           <a:bodyPr/>
           <a:p>
-            <a:fld id="{EBAFB6BF-1CD4-4440-9D7F-BADF0B623C2D}" type="slidenum">
+            <a:fld id="{DB6445C6-9DD6-4C1B-92DD-3041F60FB9DB}" type="slidenum">
               <a:t>&lt;#&gt;</a:t>
             </a:fld>
           </a:p>
@@ -449,8 +449,8 @@
         </p:nvSpPr>
         <p:spPr>
           <a:xfrm>
-            <a:off x="3537000" y="1578240"/>
-            <a:ext cx="5016600" cy="1577880"/>
+            <a:off x="457200" y="205200"/>
+            <a:ext cx="8229240" cy="858600"/>
           </a:xfrm>
           <a:prstGeom prst="rect">
             <a:avLst/>
@@ -487,7 +487,7 @@
         <p:spPr>
           <a:xfrm>
             <a:off x="457200" y="1203480"/>
-            <a:ext cx="2649600" cy="1422360"/>
+            <a:ext cx="2649600" cy="1422720"/>
           </a:xfrm>
           <a:prstGeom prst="rect">
             <a:avLst/>
@@ -521,7 +521,7 @@
         <p:spPr>
           <a:xfrm>
             <a:off x="3239640" y="1203480"/>
-            <a:ext cx="2649600" cy="1422360"/>
+            <a:ext cx="2649600" cy="1422720"/>
           </a:xfrm>
           <a:prstGeom prst="rect">
             <a:avLst/>
@@ -555,7 +555,7 @@
         <p:spPr>
           <a:xfrm>
             <a:off x="6022080" y="1203480"/>
-            <a:ext cx="2649600" cy="1422360"/>
+            <a:ext cx="2649600" cy="1422720"/>
           </a:xfrm>
           <a:prstGeom prst="rect">
             <a:avLst/>
@@ -588,8 +588,8 @@
         </p:nvSpPr>
         <p:spPr>
           <a:xfrm>
-            <a:off x="457200" y="2761200"/>
-            <a:ext cx="2649600" cy="1422360"/>
+            <a:off x="457200" y="2761920"/>
+            <a:ext cx="2649600" cy="1422720"/>
           </a:xfrm>
           <a:prstGeom prst="rect">
             <a:avLst/>
@@ -622,8 +622,8 @@
         </p:nvSpPr>
         <p:spPr>
           <a:xfrm>
-            <a:off x="3239640" y="2761200"/>
-            <a:ext cx="2649600" cy="1422360"/>
+            <a:off x="3239640" y="2761920"/>
+            <a:ext cx="2649600" cy="1422720"/>
           </a:xfrm>
           <a:prstGeom prst="rect">
             <a:avLst/>
@@ -656,8 +656,8 @@
         </p:nvSpPr>
         <p:spPr>
           <a:xfrm>
-            <a:off x="6022080" y="2761200"/>
-            <a:ext cx="2649600" cy="1422360"/>
+            <a:off x="6022080" y="2761920"/>
+            <a:ext cx="2649600" cy="1422720"/>
           </a:xfrm>
           <a:prstGeom prst="rect">
             <a:avLst/>
@@ -692,7 +692,7 @@
         <p:txBody>
           <a:bodyPr/>
           <a:p>
-            <a:fld id="{91F9836F-9EA5-47AA-8801-F087C882DC70}" type="slidenum">
+            <a:fld id="{55E22DAF-8EC7-41FD-8E9B-480A5CA4E9CD}" type="slidenum">
               <a:t>&lt;#&gt;</a:t>
             </a:fld>
           </a:p>
@@ -732,8 +732,8 @@
         </p:nvSpPr>
         <p:spPr>
           <a:xfrm>
-            <a:off x="3537000" y="1578240"/>
-            <a:ext cx="5016600" cy="1577880"/>
+            <a:off x="457200" y="205200"/>
+            <a:ext cx="8229240" cy="858600"/>
           </a:xfrm>
           <a:prstGeom prst="rect">
             <a:avLst/>
@@ -770,7 +770,7 @@
         <p:spPr>
           <a:xfrm>
             <a:off x="457200" y="1203480"/>
-            <a:ext cx="8228880" cy="2982600"/>
+            <a:ext cx="8229240" cy="2982960"/>
           </a:xfrm>
           <a:prstGeom prst="rect">
             <a:avLst/>
@@ -808,7 +808,7 @@
         <p:txBody>
           <a:bodyPr/>
           <a:p>
-            <a:fld id="{B06D1A08-040B-435D-9C43-216C762D725A}" type="slidenum">
+            <a:fld id="{934B022C-3E21-419C-A427-CE20CEEDBED1}" type="slidenum">
               <a:t>&lt;#&gt;</a:t>
             </a:fld>
           </a:p>
@@ -848,8 +848,8 @@
         </p:nvSpPr>
         <p:spPr>
           <a:xfrm>
-            <a:off x="3537000" y="1578240"/>
-            <a:ext cx="5016600" cy="1577880"/>
+            <a:off x="457200" y="205200"/>
+            <a:ext cx="8229240" cy="858600"/>
           </a:xfrm>
           <a:prstGeom prst="rect">
             <a:avLst/>
@@ -886,7 +886,7 @@
         <p:spPr>
           <a:xfrm>
             <a:off x="457200" y="1203480"/>
-            <a:ext cx="8228880" cy="2982600"/>
+            <a:ext cx="8229240" cy="2982960"/>
           </a:xfrm>
           <a:prstGeom prst="rect">
             <a:avLst/>
@@ -921,7 +921,7 @@
         <p:txBody>
           <a:bodyPr/>
           <a:p>
-            <a:fld id="{CA525F80-07E4-498B-BBD7-5DBA3A14E017}" type="slidenum">
+            <a:fld id="{5AE86899-25AE-4A84-A235-1EFA0D7C027E}" type="slidenum">
               <a:t>&lt;#&gt;</a:t>
             </a:fld>
           </a:p>
@@ -961,8 +961,8 @@
         </p:nvSpPr>
         <p:spPr>
           <a:xfrm>
-            <a:off x="3537000" y="1578240"/>
-            <a:ext cx="5016600" cy="1577880"/>
+            <a:off x="457200" y="205200"/>
+            <a:ext cx="8229240" cy="858600"/>
           </a:xfrm>
           <a:prstGeom prst="rect">
             <a:avLst/>
@@ -999,7 +999,7 @@
         <p:spPr>
           <a:xfrm>
             <a:off x="457200" y="1203480"/>
-            <a:ext cx="4015440" cy="2982600"/>
+            <a:ext cx="4015800" cy="2982960"/>
           </a:xfrm>
           <a:prstGeom prst="rect">
             <a:avLst/>
@@ -1032,8 +1032,8 @@
         </p:nvSpPr>
         <p:spPr>
           <a:xfrm>
-            <a:off x="4673880" y="1203480"/>
-            <a:ext cx="4015440" cy="2982600"/>
+            <a:off x="4674240" y="1203480"/>
+            <a:ext cx="4015800" cy="2982960"/>
           </a:xfrm>
           <a:prstGeom prst="rect">
             <a:avLst/>
@@ -1068,7 +1068,7 @@
         <p:txBody>
           <a:bodyPr/>
           <a:p>
-            <a:fld id="{F0D855B5-ED39-4911-936B-87C86D743BFA}" type="slidenum">
+            <a:fld id="{E8E2A3DE-0CDD-4BA6-86CA-309D1D314F77}" type="slidenum">
               <a:t>&lt;#&gt;</a:t>
             </a:fld>
           </a:p>
@@ -1108,8 +1108,8 @@
         </p:nvSpPr>
         <p:spPr>
           <a:xfrm>
-            <a:off x="3537000" y="1578240"/>
-            <a:ext cx="5016600" cy="1577880"/>
+            <a:off x="457200" y="205200"/>
+            <a:ext cx="8229240" cy="858600"/>
           </a:xfrm>
           <a:prstGeom prst="rect">
             <a:avLst/>
@@ -1147,7 +1147,7 @@
         <p:txBody>
           <a:bodyPr/>
           <a:p>
-            <a:fld id="{3E927AF1-2266-4A75-A839-538CE8A56471}" type="slidenum">
+            <a:fld id="{3387A16D-28B1-4609-AEA4-E94D76B22412}" type="slidenum">
               <a:t>&lt;#&gt;</a:t>
             </a:fld>
           </a:p>
@@ -1187,8 +1187,8 @@
         </p:nvSpPr>
         <p:spPr>
           <a:xfrm>
-            <a:off x="3537000" y="1578240"/>
-            <a:ext cx="5016600" cy="7315560"/>
+            <a:off x="457200" y="205200"/>
+            <a:ext cx="8229240" cy="3981240"/>
           </a:xfrm>
           <a:prstGeom prst="rect">
             <a:avLst/>
@@ -1226,7 +1226,7 @@
         <p:txBody>
           <a:bodyPr/>
           <a:p>
-            <a:fld id="{01BD9E1F-45FC-4E1E-8467-DB453095C4D6}" type="slidenum">
+            <a:fld id="{8009B2EC-7797-4910-92EB-985570FD1552}" type="slidenum">
               <a:t>&lt;#&gt;</a:t>
             </a:fld>
           </a:p>
@@ -1266,8 +1266,8 @@
         </p:nvSpPr>
         <p:spPr>
           <a:xfrm>
-            <a:off x="3537000" y="1578240"/>
-            <a:ext cx="5016600" cy="1577880"/>
+            <a:off x="457200" y="205200"/>
+            <a:ext cx="8229240" cy="858600"/>
           </a:xfrm>
           <a:prstGeom prst="rect">
             <a:avLst/>
@@ -1304,7 +1304,7 @@
         <p:spPr>
           <a:xfrm>
             <a:off x="457200" y="1203480"/>
-            <a:ext cx="4015440" cy="1422360"/>
+            <a:ext cx="4015800" cy="1422720"/>
           </a:xfrm>
           <a:prstGeom prst="rect">
             <a:avLst/>
@@ -1337,8 +1337,8 @@
         </p:nvSpPr>
         <p:spPr>
           <a:xfrm>
-            <a:off x="4673880" y="1203480"/>
-            <a:ext cx="4015440" cy="2982600"/>
+            <a:off x="4674240" y="1203480"/>
+            <a:ext cx="4015800" cy="2982960"/>
           </a:xfrm>
           <a:prstGeom prst="rect">
             <a:avLst/>
@@ -1371,8 +1371,8 @@
         </p:nvSpPr>
         <p:spPr>
           <a:xfrm>
-            <a:off x="457200" y="2761200"/>
-            <a:ext cx="4015440" cy="1422360"/>
+            <a:off x="457200" y="2761920"/>
+            <a:ext cx="4015800" cy="1422720"/>
           </a:xfrm>
           <a:prstGeom prst="rect">
             <a:avLst/>
@@ -1407,7 +1407,7 @@
         <p:txBody>
           <a:bodyPr/>
           <a:p>
-            <a:fld id="{6831A24F-8888-4D40-9570-4E2B943B4472}" type="slidenum">
+            <a:fld id="{17EABD5D-C99C-4017-A7D7-969DD53A5A1D}" type="slidenum">
               <a:t>&lt;#&gt;</a:t>
             </a:fld>
           </a:p>
@@ -1447,8 +1447,8 @@
         </p:nvSpPr>
         <p:spPr>
           <a:xfrm>
-            <a:off x="3537000" y="1578240"/>
-            <a:ext cx="5016600" cy="1577880"/>
+            <a:off x="457200" y="205200"/>
+            <a:ext cx="8229240" cy="858600"/>
           </a:xfrm>
           <a:prstGeom prst="rect">
             <a:avLst/>
@@ -1485,7 +1485,7 @@
         <p:spPr>
           <a:xfrm>
             <a:off x="457200" y="1203480"/>
-            <a:ext cx="4015440" cy="2982600"/>
+            <a:ext cx="4015800" cy="2982960"/>
           </a:xfrm>
           <a:prstGeom prst="rect">
             <a:avLst/>
@@ -1518,8 +1518,8 @@
         </p:nvSpPr>
         <p:spPr>
           <a:xfrm>
-            <a:off x="4673880" y="1203480"/>
-            <a:ext cx="4015440" cy="1422360"/>
+            <a:off x="4674240" y="1203480"/>
+            <a:ext cx="4015800" cy="1422720"/>
           </a:xfrm>
           <a:prstGeom prst="rect">
             <a:avLst/>
@@ -1552,8 +1552,8 @@
         </p:nvSpPr>
         <p:spPr>
           <a:xfrm>
-            <a:off x="4673880" y="2761200"/>
-            <a:ext cx="4015440" cy="1422360"/>
+            <a:off x="4674240" y="2761920"/>
+            <a:ext cx="4015800" cy="1422720"/>
           </a:xfrm>
           <a:prstGeom prst="rect">
             <a:avLst/>
@@ -1588,7 +1588,7 @@
         <p:txBody>
           <a:bodyPr/>
           <a:p>
-            <a:fld id="{63C9BD6A-52C5-4011-8018-1FBC62457D88}" type="slidenum">
+            <a:fld id="{DF4C2CB8-315E-4F00-A9B8-409DFE157BC8}" type="slidenum">
               <a:t>&lt;#&gt;</a:t>
             </a:fld>
           </a:p>
@@ -1628,8 +1628,8 @@
         </p:nvSpPr>
         <p:spPr>
           <a:xfrm>
-            <a:off x="3537000" y="1578240"/>
-            <a:ext cx="5016600" cy="1577880"/>
+            <a:off x="457200" y="205200"/>
+            <a:ext cx="8229240" cy="858600"/>
           </a:xfrm>
           <a:prstGeom prst="rect">
             <a:avLst/>
@@ -1666,7 +1666,7 @@
         <p:spPr>
           <a:xfrm>
             <a:off x="457200" y="1203480"/>
-            <a:ext cx="4015440" cy="1422360"/>
+            <a:ext cx="4015800" cy="1422720"/>
           </a:xfrm>
           <a:prstGeom prst="rect">
             <a:avLst/>
@@ -1699,8 +1699,8 @@
         </p:nvSpPr>
         <p:spPr>
           <a:xfrm>
-            <a:off x="4673880" y="1203480"/>
-            <a:ext cx="4015440" cy="1422360"/>
+            <a:off x="4674240" y="1203480"/>
+            <a:ext cx="4015800" cy="1422720"/>
           </a:xfrm>
           <a:prstGeom prst="rect">
             <a:avLst/>
@@ -1733,8 +1733,8 @@
         </p:nvSpPr>
         <p:spPr>
           <a:xfrm>
-            <a:off x="457200" y="2761200"/>
-            <a:ext cx="8228880" cy="1422360"/>
+            <a:off x="457200" y="2761920"/>
+            <a:ext cx="8229240" cy="1422720"/>
           </a:xfrm>
           <a:prstGeom prst="rect">
             <a:avLst/>
@@ -1769,7 +1769,7 @@
         <p:txBody>
           <a:bodyPr/>
           <a:p>
-            <a:fld id="{6CC4A02B-7C32-4F52-A7C3-4C839105A865}" type="slidenum">
+            <a:fld id="{1C68DF42-C721-40F7-971D-D5A2F0C290FE}" type="slidenum">
               <a:t>&lt;#&gt;</a:t>
             </a:fld>
           </a:p>
@@ -1812,8 +1812,8 @@
         </p:nvSpPr>
         <p:spPr>
           <a:xfrm rot="5400000">
-            <a:off x="7501320" y="0"/>
-            <a:ext cx="1642680" cy="1642680"/>
+            <a:off x="7501680" y="0"/>
+            <a:ext cx="1642320" cy="1642320"/>
           </a:xfrm>
           <a:prstGeom prst="diagStripe">
             <a:avLst>
@@ -1844,10 +1844,10 @@
         </p:nvGrpSpPr>
         <p:grpSpPr>
           <a:xfrm>
-            <a:off x="5760" y="-7560"/>
-            <a:ext cx="5137560" cy="5151600"/>
-            <a:chOff x="5760" y="-7560"/>
-            <a:chExt cx="5137560" cy="5151600"/>
+            <a:off x="5760" y="-7200"/>
+            <a:ext cx="5137200" cy="5151240"/>
+            <a:chOff x="5760" y="-7200"/>
+            <a:chExt cx="5137200" cy="5151240"/>
           </a:xfrm>
         </p:grpSpPr>
         <p:sp>
@@ -1858,8 +1858,8 @@
           </p:nvSpPr>
           <p:spPr>
             <a:xfrm rot="16200000">
-              <a:off x="360" y="1080"/>
-              <a:ext cx="5151600" cy="5133960"/>
+              <a:off x="360" y="1440"/>
+              <a:ext cx="5151240" cy="5133600"/>
             </a:xfrm>
             <a:prstGeom prst="diagStripe">
               <a:avLst>
@@ -1890,8 +1890,8 @@
           </p:nvSpPr>
           <p:spPr>
             <a:xfrm rot="16200000">
-              <a:off x="0" y="1143000"/>
-              <a:ext cx="3995640" cy="3981600"/>
+              <a:off x="0" y="1143360"/>
+              <a:ext cx="3995280" cy="3981240"/>
             </a:xfrm>
             <a:prstGeom prst="diagStripe">
               <a:avLst>
@@ -1922,8 +1922,8 @@
           </p:nvSpPr>
           <p:spPr>
             <a:xfrm rot="16200000">
-              <a:off x="1800" y="1440"/>
-              <a:ext cx="2298600" cy="2290680"/>
+              <a:off x="1800" y="1800"/>
+              <a:ext cx="2298240" cy="2290320"/>
             </a:xfrm>
             <a:prstGeom prst="diagStripe">
               <a:avLst>
@@ -1952,8 +1952,8 @@
           </p:nvSpPr>
           <p:spPr>
             <a:xfrm flipH="1">
-              <a:off x="651960" y="588240"/>
-              <a:ext cx="2298960" cy="2290320"/>
+              <a:off x="651240" y="588240"/>
+              <a:ext cx="2298600" cy="2289960"/>
             </a:xfrm>
             <a:prstGeom prst="diagStripe">
               <a:avLst>
@@ -1982,236 +1982,13 @@
             <a:spLocks noGrp="1"/>
           </p:cNvSpPr>
           <p:nvPr>
-            <p:ph type="title"/>
-          </p:nvPr>
-        </p:nvSpPr>
-        <p:spPr>
-          <a:xfrm>
-            <a:off x="3537000" y="1578240"/>
-            <a:ext cx="5016600" cy="1577880"/>
-          </a:xfrm>
-          <a:prstGeom prst="rect">
-            <a:avLst/>
-          </a:prstGeom>
-          <a:noFill/>
-          <a:ln w="0">
-            <a:noFill/>
-          </a:ln>
-        </p:spPr>
-        <p:txBody>
-          <a:bodyPr lIns="0" rIns="0" tIns="0" bIns="0" anchor="ctr">
-            <a:noAutofit/>
-          </a:bodyPr>
-          <a:p>
-            <a:r>
-              <a:rPr b="0" lang="es-AR" sz="1800" spc="-1" strike="noStrike">
-                <a:latin typeface="Arial"/>
-              </a:rPr>
-              <a:t>Pulse para editar el formato del texto de título</a:t>
-            </a:r>
-            <a:endParaRPr b="0" lang="es-AR" sz="1800" spc="-1" strike="noStrike">
-              <a:latin typeface="Arial"/>
-            </a:endParaRPr>
-          </a:p>
-        </p:txBody>
-      </p:sp>
-      <p:sp>
-        <p:nvSpPr>
-          <p:cNvPr id="7" name="PlaceHolder 2"/>
-          <p:cNvSpPr>
-            <a:spLocks noGrp="1"/>
-          </p:cNvSpPr>
-          <p:nvPr>
-            <p:ph type="body"/>
-          </p:nvPr>
-        </p:nvSpPr>
-        <p:spPr>
-          <a:xfrm>
-            <a:off x="457200" y="1203480"/>
-            <a:ext cx="8228880" cy="2982600"/>
-          </a:xfrm>
-          <a:prstGeom prst="rect">
-            <a:avLst/>
-          </a:prstGeom>
-          <a:noFill/>
-          <a:ln w="0">
-            <a:noFill/>
-          </a:ln>
-        </p:spPr>
-        <p:txBody>
-          <a:bodyPr lIns="0" rIns="0" tIns="0" bIns="0" anchor="t">
-            <a:normAutofit/>
-          </a:bodyPr>
-          <a:p>
-            <a:pPr marL="432000" indent="-324000">
-              <a:spcBef>
-                <a:spcPts val="1417"/>
-              </a:spcBef>
-              <a:buClr>
-                <a:srgbClr val="ffffff"/>
-              </a:buClr>
-              <a:buSzPct val="45000"/>
-              <a:buFont typeface="Wingdings" charset="2"/>
-              <a:buChar char=""/>
-            </a:pPr>
-            <a:r>
-              <a:rPr b="0" lang="es-AR" sz="1800" spc="-1" strike="noStrike">
-                <a:latin typeface="Arial"/>
-              </a:rPr>
-              <a:t>Pulse para editar el formato de texto del esquema</a:t>
-            </a:r>
-            <a:endParaRPr b="0" lang="es-AR" sz="1800" spc="-1" strike="noStrike">
-              <a:latin typeface="Arial"/>
-            </a:endParaRPr>
-          </a:p>
-          <a:p>
-            <a:pPr lvl="1" marL="864000" indent="-324000">
-              <a:spcBef>
-                <a:spcPts val="1134"/>
-              </a:spcBef>
-              <a:buClr>
-                <a:srgbClr val="ffffff"/>
-              </a:buClr>
-              <a:buSzPct val="75000"/>
-              <a:buFont typeface="Symbol" charset="2"/>
-              <a:buChar char=""/>
-            </a:pPr>
-            <a:r>
-              <a:rPr b="0" lang="es-AR" sz="1800" spc="-1" strike="noStrike">
-                <a:latin typeface="Arial"/>
-              </a:rPr>
-              <a:t>Segundo nivel del esquema</a:t>
-            </a:r>
-            <a:endParaRPr b="0" lang="es-AR" sz="1800" spc="-1" strike="noStrike">
-              <a:latin typeface="Arial"/>
-            </a:endParaRPr>
-          </a:p>
-          <a:p>
-            <a:pPr lvl="2" marL="1296000" indent="-288000">
-              <a:spcBef>
-                <a:spcPts val="850"/>
-              </a:spcBef>
-              <a:buClr>
-                <a:srgbClr val="ffffff"/>
-              </a:buClr>
-              <a:buSzPct val="45000"/>
-              <a:buFont typeface="Wingdings" charset="2"/>
-              <a:buChar char=""/>
-            </a:pPr>
-            <a:r>
-              <a:rPr b="0" lang="es-AR" sz="1800" spc="-1" strike="noStrike">
-                <a:latin typeface="Arial"/>
-              </a:rPr>
-              <a:t>Tercer nivel del esquema</a:t>
-            </a:r>
-            <a:endParaRPr b="0" lang="es-AR" sz="1800" spc="-1" strike="noStrike">
-              <a:latin typeface="Arial"/>
-            </a:endParaRPr>
-          </a:p>
-          <a:p>
-            <a:pPr lvl="3" marL="1728000" indent="-216000">
-              <a:spcBef>
-                <a:spcPts val="567"/>
-              </a:spcBef>
-              <a:buClr>
-                <a:srgbClr val="ffffff"/>
-              </a:buClr>
-              <a:buSzPct val="75000"/>
-              <a:buFont typeface="Symbol" charset="2"/>
-              <a:buChar char=""/>
-            </a:pPr>
-            <a:r>
-              <a:rPr b="0" lang="es-AR" sz="1800" spc="-1" strike="noStrike">
-                <a:latin typeface="Arial"/>
-              </a:rPr>
-              <a:t>Cuarto nivel del esquema</a:t>
-            </a:r>
-            <a:endParaRPr b="0" lang="es-AR" sz="1800" spc="-1" strike="noStrike">
-              <a:latin typeface="Arial"/>
-            </a:endParaRPr>
-          </a:p>
-          <a:p>
-            <a:pPr lvl="4" marL="2160000" indent="-216000">
-              <a:spcBef>
-                <a:spcPts val="283"/>
-              </a:spcBef>
-              <a:buClr>
-                <a:srgbClr val="ffffff"/>
-              </a:buClr>
-              <a:buSzPct val="45000"/>
-              <a:buFont typeface="Wingdings" charset="2"/>
-              <a:buChar char=""/>
-            </a:pPr>
-            <a:r>
-              <a:rPr b="0" lang="es-AR" sz="1800" spc="-1" strike="noStrike">
-                <a:latin typeface="Arial"/>
-              </a:rPr>
-              <a:t>Quinto nivel del esquema</a:t>
-            </a:r>
-            <a:endParaRPr b="0" lang="es-AR" sz="1800" spc="-1" strike="noStrike">
-              <a:latin typeface="Arial"/>
-            </a:endParaRPr>
-          </a:p>
-          <a:p>
-            <a:pPr lvl="5" marL="2592000" indent="-216000">
-              <a:spcBef>
-                <a:spcPts val="283"/>
-              </a:spcBef>
-              <a:buClr>
-                <a:srgbClr val="ffffff"/>
-              </a:buClr>
-              <a:buSzPct val="45000"/>
-              <a:buFont typeface="Wingdings" charset="2"/>
-              <a:buChar char=""/>
-            </a:pPr>
-            <a:r>
-              <a:rPr b="0" lang="es-AR" sz="1800" spc="-1" strike="noStrike">
-                <a:latin typeface="Arial"/>
-              </a:rPr>
-              <a:t>Sexto nivel del esquema</a:t>
-            </a:r>
-            <a:endParaRPr b="0" lang="es-AR" sz="1800" spc="-1" strike="noStrike">
-              <a:latin typeface="Arial"/>
-            </a:endParaRPr>
-          </a:p>
-          <a:p>
-            <a:pPr lvl="6" marL="3024000" indent="-216000">
-              <a:spcBef>
-                <a:spcPts val="283"/>
-              </a:spcBef>
-              <a:buClr>
-                <a:srgbClr val="ffffff"/>
-              </a:buClr>
-              <a:buSzPct val="45000"/>
-              <a:buFont typeface="Wingdings" charset="2"/>
-              <a:buChar char=""/>
-            </a:pPr>
-            <a:r>
-              <a:rPr b="0" lang="es-AR" sz="1800" spc="-1" strike="noStrike">
-                <a:latin typeface="Arial"/>
-              </a:rPr>
-              <a:t>Séptimo nivel del esquema</a:t>
-            </a:r>
-            <a:endParaRPr b="0" lang="es-AR" sz="1800" spc="-1" strike="noStrike">
-              <a:latin typeface="Arial"/>
-            </a:endParaRPr>
-          </a:p>
-        </p:txBody>
-      </p:sp>
-      <p:sp>
-        <p:nvSpPr>
-          <p:cNvPr id="8" name="PlaceHolder 3"/>
-          <p:cNvSpPr>
-            <a:spLocks noGrp="1"/>
-          </p:cNvSpPr>
-          <p:nvPr>
             <p:ph type="sldNum" idx="1"/>
           </p:nvPr>
         </p:nvSpPr>
         <p:spPr>
           <a:xfrm>
             <a:off x="8472600" y="4663080"/>
-            <a:ext cx="547560" cy="392400"/>
+            <a:ext cx="547200" cy="392040"/>
           </a:xfrm>
           <a:prstGeom prst="rect">
             <a:avLst/>
@@ -2253,7 +2030,7 @@
                 <a:tab algn="l" pos="0"/>
               </a:tabLst>
             </a:pPr>
-            <a:fld id="{0D1C02D7-F8F0-4150-92FA-3BFE742A46E9}" type="slidenum">
+            <a:fld id="{A8164217-CDC4-418D-A473-740726D72EA4}" type="slidenum">
               <a:rPr b="0" lang="en" sz="1000" spc="-1" strike="noStrike">
                 <a:solidFill>
                   <a:srgbClr val="ffffff"/>
@@ -2261,10 +2038,236 @@
                 <a:latin typeface="Lato"/>
                 <a:ea typeface="Lato"/>
               </a:rPr>
-              <a:t>&lt;número&gt;</a:t>
+              <a:t>5</a:t>
             </a:fld>
             <a:endParaRPr b="0" lang="es-AR" sz="1000" spc="-1" strike="noStrike">
               <a:latin typeface="Times New Roman"/>
+            </a:endParaRPr>
+          </a:p>
+        </p:txBody>
+      </p:sp>
+      <p:sp>
+        <p:nvSpPr>
+          <p:cNvPr id="7" name="PlaceHolder 2"/>
+          <p:cNvSpPr>
+            <a:spLocks noGrp="1"/>
+          </p:cNvSpPr>
+          <p:nvPr>
+            <p:ph type="title"/>
+          </p:nvPr>
+        </p:nvSpPr>
+        <p:spPr>
+          <a:xfrm>
+            <a:off x="457200" y="205200"/>
+            <a:ext cx="8229240" cy="858600"/>
+          </a:xfrm>
+          <a:prstGeom prst="rect">
+            <a:avLst/>
+          </a:prstGeom>
+          <a:noFill/>
+          <a:ln w="0">
+            <a:noFill/>
+          </a:ln>
+        </p:spPr>
+        <p:txBody>
+          <a:bodyPr lIns="0" rIns="0" tIns="0" bIns="0" anchor="ctr">
+            <a:noAutofit/>
+          </a:bodyPr>
+          <a:p>
+            <a:pPr algn="ctr">
+              <a:buNone/>
+            </a:pPr>
+            <a:r>
+              <a:rPr b="0" lang="es-AR" sz="4400" spc="-1" strike="noStrike">
+                <a:latin typeface="Arial"/>
+              </a:rPr>
+              <a:t>Pulse para editar el formato del texto de título</a:t>
+            </a:r>
+            <a:endParaRPr b="0" lang="es-AR" sz="4400" spc="-1" strike="noStrike">
+              <a:latin typeface="Arial"/>
+            </a:endParaRPr>
+          </a:p>
+        </p:txBody>
+      </p:sp>
+      <p:sp>
+        <p:nvSpPr>
+          <p:cNvPr id="8" name="PlaceHolder 3"/>
+          <p:cNvSpPr>
+            <a:spLocks noGrp="1"/>
+          </p:cNvSpPr>
+          <p:nvPr>
+            <p:ph type="body"/>
+          </p:nvPr>
+        </p:nvSpPr>
+        <p:spPr>
+          <a:xfrm>
+            <a:off x="457200" y="1203480"/>
+            <a:ext cx="8229240" cy="2982960"/>
+          </a:xfrm>
+          <a:prstGeom prst="rect">
+            <a:avLst/>
+          </a:prstGeom>
+          <a:noFill/>
+          <a:ln w="0">
+            <a:noFill/>
+          </a:ln>
+        </p:spPr>
+        <p:txBody>
+          <a:bodyPr lIns="0" rIns="0" tIns="0" bIns="0" anchor="t">
+            <a:normAutofit fontScale="92000"/>
+          </a:bodyPr>
+          <a:p>
+            <a:pPr marL="432000" indent="-324000">
+              <a:spcBef>
+                <a:spcPts val="1417"/>
+              </a:spcBef>
+              <a:buClr>
+                <a:srgbClr val="ffffff"/>
+              </a:buClr>
+              <a:buSzPct val="45000"/>
+              <a:buFont typeface="Wingdings" charset="2"/>
+              <a:buChar char=""/>
+            </a:pPr>
+            <a:r>
+              <a:rPr b="0" lang="es-AR" sz="3200" spc="-1" strike="noStrike">
+                <a:latin typeface="Arial"/>
+              </a:rPr>
+              <a:t>Pulse para editar el formato de texto del esquema</a:t>
+            </a:r>
+            <a:endParaRPr b="0" lang="es-AR" sz="3200" spc="-1" strike="noStrike">
+              <a:latin typeface="Arial"/>
+            </a:endParaRPr>
+          </a:p>
+          <a:p>
+            <a:pPr lvl="1" marL="864000" indent="-324000">
+              <a:spcBef>
+                <a:spcPts val="1134"/>
+              </a:spcBef>
+              <a:buClr>
+                <a:srgbClr val="ffffff"/>
+              </a:buClr>
+              <a:buSzPct val="75000"/>
+              <a:buFont typeface="Symbol" charset="2"/>
+              <a:buChar char=""/>
+            </a:pPr>
+            <a:r>
+              <a:rPr b="0" lang="es-AR" sz="2800" spc="-1" strike="noStrike">
+                <a:latin typeface="Arial"/>
+              </a:rPr>
+              <a:t>Segundo nivel del esquema</a:t>
+            </a:r>
+            <a:endParaRPr b="0" lang="es-AR" sz="2800" spc="-1" strike="noStrike">
+              <a:latin typeface="Arial"/>
+            </a:endParaRPr>
+          </a:p>
+          <a:p>
+            <a:pPr lvl="2" marL="1296000" indent="-288000">
+              <a:spcBef>
+                <a:spcPts val="850"/>
+              </a:spcBef>
+              <a:buClr>
+                <a:srgbClr val="ffffff"/>
+              </a:buClr>
+              <a:buSzPct val="45000"/>
+              <a:buFont typeface="Wingdings" charset="2"/>
+              <a:buChar char=""/>
+            </a:pPr>
+            <a:r>
+              <a:rPr b="0" lang="es-AR" sz="2400" spc="-1" strike="noStrike">
+                <a:latin typeface="Arial"/>
+              </a:rPr>
+              <a:t>Tercer nivel del esquema</a:t>
+            </a:r>
+            <a:endParaRPr b="0" lang="es-AR" sz="2400" spc="-1" strike="noStrike">
+              <a:latin typeface="Arial"/>
+            </a:endParaRPr>
+          </a:p>
+          <a:p>
+            <a:pPr lvl="3" marL="1728000" indent="-216000">
+              <a:spcBef>
+                <a:spcPts val="567"/>
+              </a:spcBef>
+              <a:buClr>
+                <a:srgbClr val="ffffff"/>
+              </a:buClr>
+              <a:buSzPct val="75000"/>
+              <a:buFont typeface="Symbol" charset="2"/>
+              <a:buChar char=""/>
+            </a:pPr>
+            <a:r>
+              <a:rPr b="0" lang="es-AR" sz="2000" spc="-1" strike="noStrike">
+                <a:latin typeface="Arial"/>
+              </a:rPr>
+              <a:t>Cuarto nivel del esquema</a:t>
+            </a:r>
+            <a:endParaRPr b="0" lang="es-AR" sz="2000" spc="-1" strike="noStrike">
+              <a:latin typeface="Arial"/>
+            </a:endParaRPr>
+          </a:p>
+          <a:p>
+            <a:pPr lvl="4" marL="2160000" indent="-216000">
+              <a:spcBef>
+                <a:spcPts val="283"/>
+              </a:spcBef>
+              <a:buClr>
+                <a:srgbClr val="ffffff"/>
+              </a:buClr>
+              <a:buSzPct val="45000"/>
+              <a:buFont typeface="Wingdings" charset="2"/>
+              <a:buChar char=""/>
+            </a:pPr>
+            <a:r>
+              <a:rPr b="0" lang="es-AR" sz="2000" spc="-1" strike="noStrike">
+                <a:latin typeface="Arial"/>
+              </a:rPr>
+              <a:t>Quinto nivel del esquema</a:t>
+            </a:r>
+            <a:endParaRPr b="0" lang="es-AR" sz="2000" spc="-1" strike="noStrike">
+              <a:latin typeface="Arial"/>
+            </a:endParaRPr>
+          </a:p>
+          <a:p>
+            <a:pPr lvl="5" marL="2592000" indent="-216000">
+              <a:spcBef>
+                <a:spcPts val="283"/>
+              </a:spcBef>
+              <a:buClr>
+                <a:srgbClr val="ffffff"/>
+              </a:buClr>
+              <a:buSzPct val="45000"/>
+              <a:buFont typeface="Wingdings" charset="2"/>
+              <a:buChar char=""/>
+            </a:pPr>
+            <a:r>
+              <a:rPr b="0" lang="es-AR" sz="2000" spc="-1" strike="noStrike">
+                <a:latin typeface="Arial"/>
+              </a:rPr>
+              <a:t>Sexto nivel del esquema</a:t>
+            </a:r>
+            <a:endParaRPr b="0" lang="es-AR" sz="2000" spc="-1" strike="noStrike">
+              <a:latin typeface="Arial"/>
+            </a:endParaRPr>
+          </a:p>
+          <a:p>
+            <a:pPr lvl="6" marL="3024000" indent="-216000">
+              <a:spcBef>
+                <a:spcPts val="283"/>
+              </a:spcBef>
+              <a:buClr>
+                <a:srgbClr val="ffffff"/>
+              </a:buClr>
+              <a:buSzPct val="45000"/>
+              <a:buFont typeface="Wingdings" charset="2"/>
+              <a:buChar char=""/>
+            </a:pPr>
+            <a:r>
+              <a:rPr b="0" lang="es-AR" sz="2000" spc="-1" strike="noStrike">
+                <a:latin typeface="Arial"/>
+              </a:rPr>
+              <a:t>Séptimo nivel del esquema</a:t>
+            </a:r>
+            <a:endParaRPr b="0" lang="es-AR" sz="2000" spc="-1" strike="noStrike">
+              <a:latin typeface="Arial"/>
             </a:endParaRPr>
           </a:p>
         </p:txBody>
@@ -2319,7 +2322,7 @@
         <p:spPr>
           <a:xfrm>
             <a:off x="3537000" y="1578240"/>
-            <a:ext cx="5016600" cy="1577880"/>
+            <a:ext cx="5016240" cy="1577520"/>
           </a:xfrm>
           <a:prstGeom prst="rect">
             <a:avLst/>
@@ -2396,7 +2399,7 @@
         <p:spPr>
           <a:xfrm>
             <a:off x="5083920" y="3925080"/>
-            <a:ext cx="3469680" cy="505080"/>
+            <a:ext cx="3469320" cy="504720"/>
           </a:xfrm>
           <a:prstGeom prst="rect">
             <a:avLst/>
@@ -2479,7 +2482,7 @@
         <p:spPr>
           <a:xfrm>
             <a:off x="3160440" y="359280"/>
-            <a:ext cx="5392800" cy="4275000"/>
+            <a:ext cx="5392440" cy="4274640"/>
           </a:xfrm>
           <a:prstGeom prst="rect">
             <a:avLst/>
@@ -2731,7 +2734,7 @@
         <p:spPr>
           <a:xfrm>
             <a:off x="3160440" y="359280"/>
-            <a:ext cx="5392800" cy="4275000"/>
+            <a:ext cx="5392440" cy="4274640"/>
           </a:xfrm>
           <a:prstGeom prst="rect">
             <a:avLst/>
@@ -2862,7 +2865,7 @@
         <p:spPr>
           <a:xfrm>
             <a:off x="508320" y="359280"/>
-            <a:ext cx="8290800" cy="4275000"/>
+            <a:ext cx="8290440" cy="4274640"/>
           </a:xfrm>
           <a:prstGeom prst="rect">
             <a:avLst/>
@@ -2899,7 +2902,7 @@
         <p:spPr>
           <a:xfrm>
             <a:off x="180000" y="990000"/>
-            <a:ext cx="8819640" cy="3212640"/>
+            <a:ext cx="8819280" cy="3212280"/>
           </a:xfrm>
           <a:prstGeom prst="rect">
             <a:avLst/>
@@ -2952,7 +2955,7 @@
         <p:spPr>
           <a:xfrm>
             <a:off x="2986920" y="123840"/>
-            <a:ext cx="5910840" cy="4894560"/>
+            <a:ext cx="5910480" cy="4894200"/>
           </a:xfrm>
           <a:prstGeom prst="rect">
             <a:avLst/>
@@ -2977,7 +2980,7 @@
               </a:tabLst>
             </a:pPr>
             <a:r>
-              <a:rPr b="0" lang="en" sz="2410" spc="-1" strike="noStrike">
+              <a:rPr b="0" lang="en" sz="2200" spc="-1" strike="noStrike">
                 <a:solidFill>
                   <a:srgbClr val="ffffff"/>
                 </a:solidFill>
@@ -2986,7 +2989,7 @@
               </a:rPr>
               <a:t>Ante estas situaciones, no faltan los especuladores que aprovechan para hacer una diferencia a favor de su propia economía.</a:t>
             </a:r>
-            <a:endParaRPr b="0" lang="es-AR" sz="2410" spc="-1" strike="noStrike">
+            <a:endParaRPr b="0" lang="es-AR" sz="2200" spc="-1" strike="noStrike">
               <a:latin typeface="Arial"/>
             </a:endParaRPr>
           </a:p>
@@ -3001,16 +3004,16 @@
               </a:tabLst>
             </a:pPr>
             <a:r>
-              <a:rPr b="0" lang="en" sz="2410" spc="-1" strike="noStrike">
+              <a:rPr b="0" lang="en" sz="2200" spc="-1" strike="noStrike">
                 <a:solidFill>
                   <a:srgbClr val="ffffff"/>
                 </a:solidFill>
                 <a:latin typeface="Montserrat"/>
                 <a:ea typeface="Montserrat"/>
               </a:rPr>
-              <a:t>Coincidiendo con la volatilidad, en los últimos cuatro años el mejor momento para comprar dólar oficial y vender dólar blue fue a principio del año: el 06/01/2022 obteniendo una ganancia de $212 por cada dólar.</a:t>
+              <a:t>Coincidiendo con la volatilidad y con la falta del esperado acuerdo de Guzman (ex Ministro de Economía) con el FMI, de los últimos cuatro años el mejor momento para comprar dólar oficial y vender dólar blue fue a principio del año: el 06/01/2022 obteniendo una ganancia de $212 por cada dólar.</a:t>
             </a:r>
-            <a:endParaRPr b="0" lang="es-AR" sz="2410" spc="-1" strike="noStrike">
+            <a:endParaRPr b="0" lang="es-AR" sz="2200" spc="-1" strike="noStrike">
               <a:latin typeface="Arial"/>
             </a:endParaRPr>
           </a:p>
@@ -3025,7 +3028,7 @@
               </a:tabLst>
             </a:pPr>
             <a:r>
-              <a:rPr b="0" lang="en" sz="2410" spc="-1" strike="noStrike">
+              <a:rPr b="0" lang="en" sz="2200" spc="-1" strike="noStrike">
                 <a:solidFill>
                   <a:srgbClr val="ffffff"/>
                 </a:solidFill>
@@ -3034,7 +3037,7 @@
               </a:rPr>
               <a:t>El segundo fue hace poco: el 22/07/2022 obteniendo $199,6 por cada dólar.</a:t>
             </a:r>
-            <a:endParaRPr b="0" lang="es-AR" sz="2410" spc="-1" strike="noStrike">
+            <a:endParaRPr b="0" lang="es-AR" sz="2200" spc="-1" strike="noStrike">
               <a:latin typeface="Arial"/>
             </a:endParaRPr>
           </a:p>

--- a/TP1.pptx
+++ b/TP1.pptx
@@ -47,7 +47,7 @@
         <p:txBody>
           <a:bodyPr/>
           <a:p>
-            <a:fld id="{53BAD4EE-CD61-4D74-923C-C71F127673B4}" type="slidenum">
+            <a:fld id="{3DE053EF-8C29-4B7C-9040-9587E3E48ECA}" type="slidenum">
               <a:t>&lt;#&gt;</a:t>
             </a:fld>
           </a:p>
@@ -194,7 +194,7 @@
         <p:txBody>
           <a:bodyPr/>
           <a:p>
-            <a:fld id="{5D76ECFE-3B83-4DEB-B870-4F940C4946C3}" type="slidenum">
+            <a:fld id="{49B51FB7-A7AC-49F1-A12C-B461433967AE}" type="slidenum">
               <a:t>&lt;#&gt;</a:t>
             </a:fld>
           </a:p>
@@ -409,7 +409,7 @@
         <p:txBody>
           <a:bodyPr/>
           <a:p>
-            <a:fld id="{DB6445C6-9DD6-4C1B-92DD-3041F60FB9DB}" type="slidenum">
+            <a:fld id="{2E3CE6C1-A52A-447B-AC92-CEA954035EA3}" type="slidenum">
               <a:t>&lt;#&gt;</a:t>
             </a:fld>
           </a:p>
@@ -692,7 +692,7 @@
         <p:txBody>
           <a:bodyPr/>
           <a:p>
-            <a:fld id="{55E22DAF-8EC7-41FD-8E9B-480A5CA4E9CD}" type="slidenum">
+            <a:fld id="{0511227B-0CE3-4D47-8BA3-A43CAB9023F2}" type="slidenum">
               <a:t>&lt;#&gt;</a:t>
             </a:fld>
           </a:p>
@@ -808,7 +808,7 @@
         <p:txBody>
           <a:bodyPr/>
           <a:p>
-            <a:fld id="{934B022C-3E21-419C-A427-CE20CEEDBED1}" type="slidenum">
+            <a:fld id="{66C84588-F0F3-4639-A2F1-89F0C6A6CC45}" type="slidenum">
               <a:t>&lt;#&gt;</a:t>
             </a:fld>
           </a:p>
@@ -921,7 +921,7 @@
         <p:txBody>
           <a:bodyPr/>
           <a:p>
-            <a:fld id="{5AE86899-25AE-4A84-A235-1EFA0D7C027E}" type="slidenum">
+            <a:fld id="{F3AAC858-EE79-4828-8EE5-5239DB2E7EBA}" type="slidenum">
               <a:t>&lt;#&gt;</a:t>
             </a:fld>
           </a:p>
@@ -1068,7 +1068,7 @@
         <p:txBody>
           <a:bodyPr/>
           <a:p>
-            <a:fld id="{E8E2A3DE-0CDD-4BA6-86CA-309D1D314F77}" type="slidenum">
+            <a:fld id="{6A302689-D3AF-40C4-B379-71AFF7F95174}" type="slidenum">
               <a:t>&lt;#&gt;</a:t>
             </a:fld>
           </a:p>
@@ -1147,7 +1147,7 @@
         <p:txBody>
           <a:bodyPr/>
           <a:p>
-            <a:fld id="{3387A16D-28B1-4609-AEA4-E94D76B22412}" type="slidenum">
+            <a:fld id="{75AE81DD-59E5-4745-A771-A2DCC93C900A}" type="slidenum">
               <a:t>&lt;#&gt;</a:t>
             </a:fld>
           </a:p>
@@ -1226,7 +1226,7 @@
         <p:txBody>
           <a:bodyPr/>
           <a:p>
-            <a:fld id="{8009B2EC-7797-4910-92EB-985570FD1552}" type="slidenum">
+            <a:fld id="{A164A05C-0FA3-4044-8A97-657EBD84E473}" type="slidenum">
               <a:t>&lt;#&gt;</a:t>
             </a:fld>
           </a:p>
@@ -1407,7 +1407,7 @@
         <p:txBody>
           <a:bodyPr/>
           <a:p>
-            <a:fld id="{17EABD5D-C99C-4017-A7D7-969DD53A5A1D}" type="slidenum">
+            <a:fld id="{835C9327-B34D-42BD-954B-1FA449925BAF}" type="slidenum">
               <a:t>&lt;#&gt;</a:t>
             </a:fld>
           </a:p>
@@ -1588,7 +1588,7 @@
         <p:txBody>
           <a:bodyPr/>
           <a:p>
-            <a:fld id="{DF4C2CB8-315E-4F00-A9B8-409DFE157BC8}" type="slidenum">
+            <a:fld id="{20401E3B-5B05-4E4A-95A3-ACA3727ADDA3}" type="slidenum">
               <a:t>&lt;#&gt;</a:t>
             </a:fld>
           </a:p>
@@ -1769,7 +1769,7 @@
         <p:txBody>
           <a:bodyPr/>
           <a:p>
-            <a:fld id="{1C68DF42-C721-40F7-971D-D5A2F0C290FE}" type="slidenum">
+            <a:fld id="{43EDF49A-3342-45C3-AA76-FFCB047A61A5}" type="slidenum">
               <a:t>&lt;#&gt;</a:t>
             </a:fld>
           </a:p>
@@ -1812,8 +1812,8 @@
         </p:nvSpPr>
         <p:spPr>
           <a:xfrm rot="5400000">
-            <a:off x="7501680" y="0"/>
-            <a:ext cx="1642320" cy="1642320"/>
+            <a:off x="7502040" y="0"/>
+            <a:ext cx="1641960" cy="1641960"/>
           </a:xfrm>
           <a:prstGeom prst="diagStripe">
             <a:avLst>
@@ -1844,10 +1844,10 @@
         </p:nvGrpSpPr>
         <p:grpSpPr>
           <a:xfrm>
-            <a:off x="5760" y="-7200"/>
-            <a:ext cx="5137200" cy="5151240"/>
-            <a:chOff x="5760" y="-7200"/>
-            <a:chExt cx="5137200" cy="5151240"/>
+            <a:off x="5760" y="-6840"/>
+            <a:ext cx="5136840" cy="5150880"/>
+            <a:chOff x="5760" y="-6840"/>
+            <a:chExt cx="5136840" cy="5150880"/>
           </a:xfrm>
         </p:grpSpPr>
         <p:sp>
@@ -1858,8 +1858,8 @@
           </p:nvSpPr>
           <p:spPr>
             <a:xfrm rot="16200000">
-              <a:off x="360" y="1440"/>
-              <a:ext cx="5151240" cy="5133600"/>
+              <a:off x="360" y="1800"/>
+              <a:ext cx="5150880" cy="5133240"/>
             </a:xfrm>
             <a:prstGeom prst="diagStripe">
               <a:avLst>
@@ -1890,8 +1890,8 @@
           </p:nvSpPr>
           <p:spPr>
             <a:xfrm rot="16200000">
-              <a:off x="0" y="1143360"/>
-              <a:ext cx="3995280" cy="3981240"/>
+              <a:off x="0" y="1143720"/>
+              <a:ext cx="3994920" cy="3980880"/>
             </a:xfrm>
             <a:prstGeom prst="diagStripe">
               <a:avLst>
@@ -1922,8 +1922,8 @@
           </p:nvSpPr>
           <p:spPr>
             <a:xfrm rot="16200000">
-              <a:off x="1800" y="1800"/>
-              <a:ext cx="2298240" cy="2290320"/>
+              <a:off x="1800" y="2160"/>
+              <a:ext cx="2297880" cy="2289960"/>
             </a:xfrm>
             <a:prstGeom prst="diagStripe">
               <a:avLst>
@@ -1953,7 +1953,7 @@
           <p:spPr>
             <a:xfrm flipH="1">
               <a:off x="651240" y="588240"/>
-              <a:ext cx="2298600" cy="2289960"/>
+              <a:ext cx="2298240" cy="2289600"/>
             </a:xfrm>
             <a:prstGeom prst="diagStripe">
               <a:avLst>
@@ -1988,7 +1988,7 @@
         <p:spPr>
           <a:xfrm>
             <a:off x="8472600" y="4663080"/>
-            <a:ext cx="547200" cy="392040"/>
+            <a:ext cx="546840" cy="391680"/>
           </a:xfrm>
           <a:prstGeom prst="rect">
             <a:avLst/>
@@ -2030,7 +2030,7 @@
                 <a:tab algn="l" pos="0"/>
               </a:tabLst>
             </a:pPr>
-            <a:fld id="{A8164217-CDC4-418D-A473-740726D72EA4}" type="slidenum">
+            <a:fld id="{B11E2FE2-4524-4B1F-B150-36CC7083DF30}" type="slidenum">
               <a:rPr b="0" lang="en" sz="1000" spc="-1" strike="noStrike">
                 <a:solidFill>
                   <a:srgbClr val="ffffff"/>
@@ -2322,7 +2322,7 @@
         <p:spPr>
           <a:xfrm>
             <a:off x="3537000" y="1578240"/>
-            <a:ext cx="5016240" cy="1577520"/>
+            <a:ext cx="5015880" cy="1577160"/>
           </a:xfrm>
           <a:prstGeom prst="rect">
             <a:avLst/>
@@ -2399,7 +2399,7 @@
         <p:spPr>
           <a:xfrm>
             <a:off x="5083920" y="3925080"/>
-            <a:ext cx="3469320" cy="504720"/>
+            <a:ext cx="3468960" cy="504360"/>
           </a:xfrm>
           <a:prstGeom prst="rect">
             <a:avLst/>
@@ -2482,7 +2482,7 @@
         <p:spPr>
           <a:xfrm>
             <a:off x="3160440" y="359280"/>
-            <a:ext cx="5392440" cy="4274640"/>
+            <a:ext cx="5392080" cy="4274280"/>
           </a:xfrm>
           <a:prstGeom prst="rect">
             <a:avLst/>
@@ -2734,7 +2734,7 @@
         <p:spPr>
           <a:xfrm>
             <a:off x="3160440" y="359280"/>
-            <a:ext cx="5392440" cy="4274640"/>
+            <a:ext cx="5392080" cy="4274280"/>
           </a:xfrm>
           <a:prstGeom prst="rect">
             <a:avLst/>
@@ -2746,7 +2746,7 @@
         </p:spPr>
         <p:txBody>
           <a:bodyPr lIns="0" rIns="0" tIns="91440" bIns="91440" anchor="t">
-            <a:normAutofit fontScale="90000"/>
+            <a:normAutofit fontScale="88000"/>
           </a:bodyPr>
           <a:p>
             <a:pPr algn="just">
@@ -2790,7 +2790,7 @@
                 <a:latin typeface="Montserrat"/>
                 <a:ea typeface="Montserrat"/>
               </a:rPr>
-              <a:t>Para intentar subsanar esta situación, hubo varios cambios en el Ministerio de Economía, se verá si da sus frutos cuando avance agosto.</a:t>
+              <a:t>Para intentar subsanar esta situación, hubo varios cambios en el Ministerio de Economía. Se verá cuando avance agosto si da sus frutos.</a:t>
             </a:r>
             <a:endParaRPr b="0" lang="es-AR" sz="2300" spc="-1" strike="noStrike">
               <a:latin typeface="Arial"/>
@@ -2814,7 +2814,7 @@
                 <a:latin typeface="Montserrat"/>
                 <a:ea typeface="Montserrat"/>
               </a:rPr>
-              <a:t>Sin embargo, como se puede apreciar en el gráfico que sigue, desde el 1 a 1 de los años ‘90 el dólar no ha deja de subir y está ligado, entre otros aspectos, a la vida política.</a:t>
+              <a:t>Sin embargo, como se puede apreciar en el gráfico que sigue, desde la paridad dólar oficial – dólar blue de los años ‘90 el dólar no ha deja de subir y está ligado, entre otros aspectos, a la vida política.</a:t>
             </a:r>
             <a:endParaRPr b="0" lang="es-AR" sz="2300" spc="-1" strike="noStrike">
               <a:latin typeface="Arial"/>
@@ -2865,7 +2865,7 @@
         <p:spPr>
           <a:xfrm>
             <a:off x="508320" y="359280"/>
-            <a:ext cx="8290440" cy="4274640"/>
+            <a:ext cx="8290080" cy="4274280"/>
           </a:xfrm>
           <a:prstGeom prst="rect">
             <a:avLst/>
@@ -2902,7 +2902,7 @@
         <p:spPr>
           <a:xfrm>
             <a:off x="180000" y="990000"/>
-            <a:ext cx="8819280" cy="3212280"/>
+            <a:ext cx="8818920" cy="3211920"/>
           </a:xfrm>
           <a:prstGeom prst="rect">
             <a:avLst/>
@@ -2954,8 +2954,8 @@
         </p:nvSpPr>
         <p:spPr>
           <a:xfrm>
-            <a:off x="2986920" y="123840"/>
-            <a:ext cx="5910480" cy="4894200"/>
+            <a:off x="3060000" y="0"/>
+            <a:ext cx="6084000" cy="4860000"/>
           </a:xfrm>
           <a:prstGeom prst="rect">
             <a:avLst/>
@@ -2980,7 +2980,7 @@
               </a:tabLst>
             </a:pPr>
             <a:r>
-              <a:rPr b="0" lang="en" sz="2200" spc="-1" strike="noStrike">
+              <a:rPr b="0" lang="en" sz="2000" spc="-1" strike="noStrike">
                 <a:solidFill>
                   <a:srgbClr val="ffffff"/>
                 </a:solidFill>
@@ -2989,7 +2989,7 @@
               </a:rPr>
               <a:t>Ante estas situaciones, no faltan los especuladores que aprovechan para hacer una diferencia a favor de su propia economía.</a:t>
             </a:r>
-            <a:endParaRPr b="0" lang="es-AR" sz="2200" spc="-1" strike="noStrike">
+            <a:endParaRPr b="0" lang="es-AR" sz="2000" spc="-1" strike="noStrike">
               <a:latin typeface="Arial"/>
             </a:endParaRPr>
           </a:p>
@@ -3004,16 +3004,16 @@
               </a:tabLst>
             </a:pPr>
             <a:r>
-              <a:rPr b="0" lang="en" sz="2200" spc="-1" strike="noStrike">
+              <a:rPr b="0" lang="en" sz="2000" spc="-1" strike="noStrike">
                 <a:solidFill>
                   <a:srgbClr val="ffffff"/>
                 </a:solidFill>
                 <a:latin typeface="Montserrat"/>
                 <a:ea typeface="Montserrat"/>
               </a:rPr>
-              <a:t>Coincidiendo con la volatilidad y con la falta del esperado acuerdo de Guzman (ex Ministro de Economía) con el FMI, de los últimos cuatro años el mejor momento para comprar dólar oficial y vender dólar blue fue a principio del año: el 06/01/2022 obteniendo una ganancia de $212 por cada dólar.</a:t>
+              <a:t>Coincidiendo con la volatilidad y con la falta del esperado acuerdo de Guzman (ex Ministro de Economía) con el FMI, de los últimos cuatro años el mejor momento para comprar dólar oficial y vender dólar blue fue a principio de año: el 06/01/2022 obteniendo una ganancia de $212 por cada dólar.</a:t>
             </a:r>
-            <a:endParaRPr b="0" lang="es-AR" sz="2200" spc="-1" strike="noStrike">
+            <a:endParaRPr b="0" lang="es-AR" sz="2000" spc="-1" strike="noStrike">
               <a:latin typeface="Arial"/>
             </a:endParaRPr>
           </a:p>
@@ -3028,16 +3028,26 @@
               </a:tabLst>
             </a:pPr>
             <a:r>
-              <a:rPr b="0" lang="en" sz="2200" spc="-1" strike="noStrike">
+              <a:rPr b="0" lang="en" sz="2000" spc="-1" strike="noStrike">
                 <a:solidFill>
                   <a:srgbClr val="ffffff"/>
                 </a:solidFill>
                 <a:latin typeface="Montserrat"/>
                 <a:ea typeface="Montserrat"/>
               </a:rPr>
-              <a:t>El segundo fue hace poco: el 22/07/2022 obteniendo $199,6 por cada dólar.</a:t>
+              <a:t>El segundo fue hace poco: el 22/07/2022 obteniendo $199,6 por cada dólar. Coincide con los anuncios del desdoblamiento cambiario para turismo, la liberación de insumos importados y, según varios periódicos, una fuerte presión desestabilizante</a:t>
             </a:r>
-            <a:endParaRPr b="0" lang="es-AR" sz="2200" spc="-1" strike="noStrike">
+            <a:r>
+              <a:rPr b="0" lang="en" sz="2100" spc="-1" strike="noStrike">
+                <a:solidFill>
+                  <a:srgbClr val="ffffff"/>
+                </a:solidFill>
+                <a:latin typeface="Montserrat"/>
+                <a:ea typeface="Montserrat"/>
+              </a:rPr>
+              <a:t>.</a:t>
+            </a:r>
+            <a:endParaRPr b="0" lang="es-AR" sz="2100" spc="-1" strike="noStrike">
               <a:latin typeface="Arial"/>
             </a:endParaRPr>
           </a:p>
